--- a/CPE Electives (1 - 3)/01. Lectures Notebook/000. Presentations & Text Books/01. Presentation Slides/06.3 ETS Decomposition.pptx
+++ b/CPE Electives (1 - 3)/01. Lectures Notebook/000. Presentations & Text Books/01. Presentation Slides/06.3 ETS Decomposition.pptx
@@ -5,10 +5,10 @@
     <p:sldMasterId id="2147483684" r:id="rId1"/>
   </p:sldMasterIdLst>
   <p:notesMasterIdLst>
-    <p:notesMasterId r:id="rId20"/>
+    <p:notesMasterId r:id="rId30"/>
   </p:notesMasterIdLst>
   <p:handoutMasterIdLst>
-    <p:handoutMasterId r:id="rId21"/>
+    <p:handoutMasterId r:id="rId31"/>
   </p:handoutMasterIdLst>
   <p:sldIdLst>
     <p:sldId id="258" r:id="rId2"/>
@@ -28,7 +28,17 @@
     <p:sldId id="391" r:id="rId16"/>
     <p:sldId id="394" r:id="rId17"/>
     <p:sldId id="392" r:id="rId18"/>
-    <p:sldId id="314" r:id="rId19"/>
+    <p:sldId id="395" r:id="rId19"/>
+    <p:sldId id="346" r:id="rId20"/>
+    <p:sldId id="396" r:id="rId21"/>
+    <p:sldId id="397" r:id="rId22"/>
+    <p:sldId id="398" r:id="rId23"/>
+    <p:sldId id="399" r:id="rId24"/>
+    <p:sldId id="400" r:id="rId25"/>
+    <p:sldId id="401" r:id="rId26"/>
+    <p:sldId id="402" r:id="rId27"/>
+    <p:sldId id="403" r:id="rId28"/>
+    <p:sldId id="314" r:id="rId29"/>
   </p:sldIdLst>
   <p:sldSz cx="12192000" cy="6858000"/>
   <p:notesSz cx="6858000" cy="9144000"/>
@@ -242,7 +252,7 @@
           <a:p>
             <a:fld id="{3B6B94FD-5702-4F25-9A4D-07294FF3292C}" type="datetimeFigureOut">
               <a:rPr lang="en-PH" smtClean="0"/>
-              <a:t>26 Feb 2025</a:t>
+              <a:t>30 Jan 2026</a:t>
             </a:fld>
             <a:endParaRPr lang="en-PH"/>
           </a:p>
@@ -407,7 +417,7 @@
           <a:p>
             <a:fld id="{8365AC51-C568-4371-A28D-D14CF2BCF8BA}" type="datetimeFigureOut">
               <a:rPr lang="en-US" smtClean="0"/>
-              <a:t>2/26/2025</a:t>
+              <a:t>1/30/2026</a:t>
             </a:fld>
             <a:endParaRPr lang="en-US"/>
           </a:p>
@@ -749,6 +759,1086 @@
     <p:extLst>
       <p:ext uri="{BB962C8B-B14F-4D97-AF65-F5344CB8AC3E}">
         <p14:creationId xmlns:p14="http://schemas.microsoft.com/office/powerpoint/2010/main" val="3268279810"/>
+      </p:ext>
+    </p:extLst>
+  </p:cSld>
+  <p:clrMapOvr>
+    <a:masterClrMapping/>
+  </p:clrMapOvr>
+</p:notes>
+</file>
+
+<file path=ppt/notesSlides/notesSlide10.xml><?xml version="1.0" encoding="utf-8"?>
+<p:notes xmlns:a="http://schemas.openxmlformats.org/drawingml/2006/main" xmlns:r="http://schemas.openxmlformats.org/officeDocument/2006/relationships" xmlns:p="http://schemas.openxmlformats.org/presentationml/2006/main">
+  <p:cSld>
+    <p:spTree>
+      <p:nvGrpSpPr>
+        <p:cNvPr id="1" name="">
+          <a:extLst>
+            <a:ext uri="{FF2B5EF4-FFF2-40B4-BE49-F238E27FC236}">
+              <a16:creationId xmlns:a16="http://schemas.microsoft.com/office/drawing/2014/main" id="{D66D0EA4-FB2D-DCB2-33BE-FC5C8E6E424E}"/>
+            </a:ext>
+          </a:extLst>
+        </p:cNvPr>
+        <p:cNvGrpSpPr/>
+        <p:nvPr/>
+      </p:nvGrpSpPr>
+      <p:grpSpPr>
+        <a:xfrm>
+          <a:off x="0" y="0"/>
+          <a:ext cx="0" cy="0"/>
+          <a:chOff x="0" y="0"/>
+          <a:chExt cx="0" cy="0"/>
+        </a:xfrm>
+      </p:grpSpPr>
+      <p:sp>
+        <p:nvSpPr>
+          <p:cNvPr id="2" name="Slide Image Placeholder 1">
+            <a:extLst>
+              <a:ext uri="{FF2B5EF4-FFF2-40B4-BE49-F238E27FC236}">
+                <a16:creationId xmlns:a16="http://schemas.microsoft.com/office/drawing/2014/main" id="{A03EA4D4-5BC8-E45E-FBD1-73319E0D5544}"/>
+              </a:ext>
+            </a:extLst>
+          </p:cNvPr>
+          <p:cNvSpPr>
+            <a:spLocks noGrp="1" noRot="1" noChangeAspect="1"/>
+          </p:cNvSpPr>
+          <p:nvPr>
+            <p:ph type="sldImg"/>
+          </p:nvPr>
+        </p:nvSpPr>
+        <p:spPr/>
+      </p:sp>
+      <p:sp>
+        <p:nvSpPr>
+          <p:cNvPr id="3" name="Notes Placeholder 2">
+            <a:extLst>
+              <a:ext uri="{FF2B5EF4-FFF2-40B4-BE49-F238E27FC236}">
+                <a16:creationId xmlns:a16="http://schemas.microsoft.com/office/drawing/2014/main" id="{5B665049-5020-6C5F-7525-20BC60BFC73A}"/>
+              </a:ext>
+            </a:extLst>
+          </p:cNvPr>
+          <p:cNvSpPr>
+            <a:spLocks noGrp="1"/>
+          </p:cNvSpPr>
+          <p:nvPr>
+            <p:ph type="body" idx="1"/>
+          </p:nvPr>
+        </p:nvSpPr>
+        <p:spPr/>
+        <p:txBody>
+          <a:bodyPr/>
+          <a:lstStyle/>
+          <a:p>
+            <a:endParaRPr lang="en-PH"/>
+          </a:p>
+        </p:txBody>
+      </p:sp>
+      <p:sp>
+        <p:nvSpPr>
+          <p:cNvPr id="4" name="Slide Number Placeholder 3">
+            <a:extLst>
+              <a:ext uri="{FF2B5EF4-FFF2-40B4-BE49-F238E27FC236}">
+                <a16:creationId xmlns:a16="http://schemas.microsoft.com/office/drawing/2014/main" id="{A57A8DE6-00D0-7AB4-BF0B-049AFC910A8B}"/>
+              </a:ext>
+            </a:extLst>
+          </p:cNvPr>
+          <p:cNvSpPr>
+            <a:spLocks noGrp="1"/>
+          </p:cNvSpPr>
+          <p:nvPr>
+            <p:ph type="sldNum" sz="quarter" idx="10"/>
+          </p:nvPr>
+        </p:nvSpPr>
+        <p:spPr/>
+        <p:txBody>
+          <a:bodyPr/>
+          <a:lstStyle/>
+          <a:p>
+            <a:fld id="{2A838477-70AC-4892-810E-E936ABB30F23}" type="slidenum">
+              <a:rPr lang="en-US" smtClean="0"/>
+              <a:t>26</a:t>
+            </a:fld>
+            <a:endParaRPr lang="en-US"/>
+          </a:p>
+        </p:txBody>
+      </p:sp>
+    </p:spTree>
+    <p:extLst>
+      <p:ext uri="{BB962C8B-B14F-4D97-AF65-F5344CB8AC3E}">
+        <p14:creationId xmlns:p14="http://schemas.microsoft.com/office/powerpoint/2010/main" val="1662494121"/>
+      </p:ext>
+    </p:extLst>
+  </p:cSld>
+  <p:clrMapOvr>
+    <a:masterClrMapping/>
+  </p:clrMapOvr>
+</p:notes>
+</file>
+
+<file path=ppt/notesSlides/notesSlide11.xml><?xml version="1.0" encoding="utf-8"?>
+<p:notes xmlns:a="http://schemas.openxmlformats.org/drawingml/2006/main" xmlns:r="http://schemas.openxmlformats.org/officeDocument/2006/relationships" xmlns:p="http://schemas.openxmlformats.org/presentationml/2006/main">
+  <p:cSld>
+    <p:spTree>
+      <p:nvGrpSpPr>
+        <p:cNvPr id="1" name="">
+          <a:extLst>
+            <a:ext uri="{FF2B5EF4-FFF2-40B4-BE49-F238E27FC236}">
+              <a16:creationId xmlns:a16="http://schemas.microsoft.com/office/drawing/2014/main" id="{96D2A3E8-B4AE-44F8-1881-2B8571B601EB}"/>
+            </a:ext>
+          </a:extLst>
+        </p:cNvPr>
+        <p:cNvGrpSpPr/>
+        <p:nvPr/>
+      </p:nvGrpSpPr>
+      <p:grpSpPr>
+        <a:xfrm>
+          <a:off x="0" y="0"/>
+          <a:ext cx="0" cy="0"/>
+          <a:chOff x="0" y="0"/>
+          <a:chExt cx="0" cy="0"/>
+        </a:xfrm>
+      </p:grpSpPr>
+      <p:sp>
+        <p:nvSpPr>
+          <p:cNvPr id="2" name="Slide Image Placeholder 1">
+            <a:extLst>
+              <a:ext uri="{FF2B5EF4-FFF2-40B4-BE49-F238E27FC236}">
+                <a16:creationId xmlns:a16="http://schemas.microsoft.com/office/drawing/2014/main" id="{8F6E88C5-57EB-EB48-200E-4BBD26BB1A04}"/>
+              </a:ext>
+            </a:extLst>
+          </p:cNvPr>
+          <p:cNvSpPr>
+            <a:spLocks noGrp="1" noRot="1" noChangeAspect="1"/>
+          </p:cNvSpPr>
+          <p:nvPr>
+            <p:ph type="sldImg"/>
+          </p:nvPr>
+        </p:nvSpPr>
+        <p:spPr/>
+      </p:sp>
+      <p:sp>
+        <p:nvSpPr>
+          <p:cNvPr id="3" name="Notes Placeholder 2">
+            <a:extLst>
+              <a:ext uri="{FF2B5EF4-FFF2-40B4-BE49-F238E27FC236}">
+                <a16:creationId xmlns:a16="http://schemas.microsoft.com/office/drawing/2014/main" id="{D4327522-BDC4-49F2-9FFB-1AB738C71163}"/>
+              </a:ext>
+            </a:extLst>
+          </p:cNvPr>
+          <p:cNvSpPr>
+            <a:spLocks noGrp="1"/>
+          </p:cNvSpPr>
+          <p:nvPr>
+            <p:ph type="body" idx="1"/>
+          </p:nvPr>
+        </p:nvSpPr>
+        <p:spPr/>
+        <p:txBody>
+          <a:bodyPr/>
+          <a:lstStyle/>
+          <a:p>
+            <a:endParaRPr lang="en-PH"/>
+          </a:p>
+        </p:txBody>
+      </p:sp>
+      <p:sp>
+        <p:nvSpPr>
+          <p:cNvPr id="4" name="Slide Number Placeholder 3">
+            <a:extLst>
+              <a:ext uri="{FF2B5EF4-FFF2-40B4-BE49-F238E27FC236}">
+                <a16:creationId xmlns:a16="http://schemas.microsoft.com/office/drawing/2014/main" id="{026BC8CD-D950-0603-E308-C96F05247622}"/>
+              </a:ext>
+            </a:extLst>
+          </p:cNvPr>
+          <p:cNvSpPr>
+            <a:spLocks noGrp="1"/>
+          </p:cNvSpPr>
+          <p:nvPr>
+            <p:ph type="sldNum" sz="quarter" idx="10"/>
+          </p:nvPr>
+        </p:nvSpPr>
+        <p:spPr/>
+        <p:txBody>
+          <a:bodyPr/>
+          <a:lstStyle/>
+          <a:p>
+            <a:fld id="{2A838477-70AC-4892-810E-E936ABB30F23}" type="slidenum">
+              <a:rPr lang="en-US" smtClean="0"/>
+              <a:t>27</a:t>
+            </a:fld>
+            <a:endParaRPr lang="en-US"/>
+          </a:p>
+        </p:txBody>
+      </p:sp>
+    </p:spTree>
+    <p:extLst>
+      <p:ext uri="{BB962C8B-B14F-4D97-AF65-F5344CB8AC3E}">
+        <p14:creationId xmlns:p14="http://schemas.microsoft.com/office/powerpoint/2010/main" val="2762265663"/>
+      </p:ext>
+    </p:extLst>
+  </p:cSld>
+  <p:clrMapOvr>
+    <a:masterClrMapping/>
+  </p:clrMapOvr>
+</p:notes>
+</file>
+
+<file path=ppt/notesSlides/notesSlide2.xml><?xml version="1.0" encoding="utf-8"?>
+<p:notes xmlns:a="http://schemas.openxmlformats.org/drawingml/2006/main" xmlns:r="http://schemas.openxmlformats.org/officeDocument/2006/relationships" xmlns:p="http://schemas.openxmlformats.org/presentationml/2006/main">
+  <p:cSld>
+    <p:spTree>
+      <p:nvGrpSpPr>
+        <p:cNvPr id="1" name="">
+          <a:extLst>
+            <a:ext uri="{FF2B5EF4-FFF2-40B4-BE49-F238E27FC236}">
+              <a16:creationId xmlns:a16="http://schemas.microsoft.com/office/drawing/2014/main" id="{2F2C2F43-88BA-7638-F532-2018E98429D3}"/>
+            </a:ext>
+          </a:extLst>
+        </p:cNvPr>
+        <p:cNvGrpSpPr/>
+        <p:nvPr/>
+      </p:nvGrpSpPr>
+      <p:grpSpPr>
+        <a:xfrm>
+          <a:off x="0" y="0"/>
+          <a:ext cx="0" cy="0"/>
+          <a:chOff x="0" y="0"/>
+          <a:chExt cx="0" cy="0"/>
+        </a:xfrm>
+      </p:grpSpPr>
+      <p:sp>
+        <p:nvSpPr>
+          <p:cNvPr id="2" name="Slide Image Placeholder 1">
+            <a:extLst>
+              <a:ext uri="{FF2B5EF4-FFF2-40B4-BE49-F238E27FC236}">
+                <a16:creationId xmlns:a16="http://schemas.microsoft.com/office/drawing/2014/main" id="{A3D9C3DA-CFED-C6AA-5582-20BFFDD694A4}"/>
+              </a:ext>
+            </a:extLst>
+          </p:cNvPr>
+          <p:cNvSpPr>
+            <a:spLocks noGrp="1" noRot="1" noChangeAspect="1"/>
+          </p:cNvSpPr>
+          <p:nvPr>
+            <p:ph type="sldImg"/>
+          </p:nvPr>
+        </p:nvSpPr>
+        <p:spPr/>
+      </p:sp>
+      <p:sp>
+        <p:nvSpPr>
+          <p:cNvPr id="3" name="Notes Placeholder 2">
+            <a:extLst>
+              <a:ext uri="{FF2B5EF4-FFF2-40B4-BE49-F238E27FC236}">
+                <a16:creationId xmlns:a16="http://schemas.microsoft.com/office/drawing/2014/main" id="{0197AFC5-8CCF-E4FC-8A4F-C1FA5140073C}"/>
+              </a:ext>
+            </a:extLst>
+          </p:cNvPr>
+          <p:cNvSpPr>
+            <a:spLocks noGrp="1"/>
+          </p:cNvSpPr>
+          <p:nvPr>
+            <p:ph type="body" idx="1"/>
+          </p:nvPr>
+        </p:nvSpPr>
+        <p:spPr/>
+        <p:txBody>
+          <a:bodyPr/>
+          <a:lstStyle/>
+          <a:p>
+            <a:endParaRPr lang="en-PH"/>
+          </a:p>
+        </p:txBody>
+      </p:sp>
+      <p:sp>
+        <p:nvSpPr>
+          <p:cNvPr id="4" name="Slide Number Placeholder 3">
+            <a:extLst>
+              <a:ext uri="{FF2B5EF4-FFF2-40B4-BE49-F238E27FC236}">
+                <a16:creationId xmlns:a16="http://schemas.microsoft.com/office/drawing/2014/main" id="{6DFFDB92-32C7-EB57-B0F9-4A893D8777B5}"/>
+              </a:ext>
+            </a:extLst>
+          </p:cNvPr>
+          <p:cNvSpPr>
+            <a:spLocks noGrp="1"/>
+          </p:cNvSpPr>
+          <p:nvPr>
+            <p:ph type="sldNum" sz="quarter" idx="10"/>
+          </p:nvPr>
+        </p:nvSpPr>
+        <p:spPr/>
+        <p:txBody>
+          <a:bodyPr/>
+          <a:lstStyle/>
+          <a:p>
+            <a:fld id="{2A838477-70AC-4892-810E-E936ABB30F23}" type="slidenum">
+              <a:rPr lang="en-US" smtClean="0"/>
+              <a:t>18</a:t>
+            </a:fld>
+            <a:endParaRPr lang="en-US"/>
+          </a:p>
+        </p:txBody>
+      </p:sp>
+    </p:spTree>
+    <p:extLst>
+      <p:ext uri="{BB962C8B-B14F-4D97-AF65-F5344CB8AC3E}">
+        <p14:creationId xmlns:p14="http://schemas.microsoft.com/office/powerpoint/2010/main" val="1370657467"/>
+      </p:ext>
+    </p:extLst>
+  </p:cSld>
+  <p:clrMapOvr>
+    <a:masterClrMapping/>
+  </p:clrMapOvr>
+</p:notes>
+</file>
+
+<file path=ppt/notesSlides/notesSlide3.xml><?xml version="1.0" encoding="utf-8"?>
+<p:notes xmlns:a="http://schemas.openxmlformats.org/drawingml/2006/main" xmlns:r="http://schemas.openxmlformats.org/officeDocument/2006/relationships" xmlns:p="http://schemas.openxmlformats.org/presentationml/2006/main">
+  <p:cSld>
+    <p:spTree>
+      <p:nvGrpSpPr>
+        <p:cNvPr id="1" name="">
+          <a:extLst>
+            <a:ext uri="{FF2B5EF4-FFF2-40B4-BE49-F238E27FC236}">
+              <a16:creationId xmlns:a16="http://schemas.microsoft.com/office/drawing/2014/main" id="{1B209E07-A799-163A-631B-B9A0A4DA3B82}"/>
+            </a:ext>
+          </a:extLst>
+        </p:cNvPr>
+        <p:cNvGrpSpPr/>
+        <p:nvPr/>
+      </p:nvGrpSpPr>
+      <p:grpSpPr>
+        <a:xfrm>
+          <a:off x="0" y="0"/>
+          <a:ext cx="0" cy="0"/>
+          <a:chOff x="0" y="0"/>
+          <a:chExt cx="0" cy="0"/>
+        </a:xfrm>
+      </p:grpSpPr>
+      <p:sp>
+        <p:nvSpPr>
+          <p:cNvPr id="2" name="Slide Image Placeholder 1">
+            <a:extLst>
+              <a:ext uri="{FF2B5EF4-FFF2-40B4-BE49-F238E27FC236}">
+                <a16:creationId xmlns:a16="http://schemas.microsoft.com/office/drawing/2014/main" id="{79CE3F58-AADE-7AC0-A2FE-EBCB20C7A636}"/>
+              </a:ext>
+            </a:extLst>
+          </p:cNvPr>
+          <p:cNvSpPr>
+            <a:spLocks noGrp="1" noRot="1" noChangeAspect="1"/>
+          </p:cNvSpPr>
+          <p:nvPr>
+            <p:ph type="sldImg"/>
+          </p:nvPr>
+        </p:nvSpPr>
+        <p:spPr/>
+      </p:sp>
+      <p:sp>
+        <p:nvSpPr>
+          <p:cNvPr id="3" name="Notes Placeholder 2">
+            <a:extLst>
+              <a:ext uri="{FF2B5EF4-FFF2-40B4-BE49-F238E27FC236}">
+                <a16:creationId xmlns:a16="http://schemas.microsoft.com/office/drawing/2014/main" id="{7F9C1A55-4169-E3D5-FF74-17940E0CE88C}"/>
+              </a:ext>
+            </a:extLst>
+          </p:cNvPr>
+          <p:cNvSpPr>
+            <a:spLocks noGrp="1"/>
+          </p:cNvSpPr>
+          <p:nvPr>
+            <p:ph type="body" idx="1"/>
+          </p:nvPr>
+        </p:nvSpPr>
+        <p:spPr/>
+        <p:txBody>
+          <a:bodyPr/>
+          <a:lstStyle/>
+          <a:p>
+            <a:endParaRPr lang="en-PH"/>
+          </a:p>
+        </p:txBody>
+      </p:sp>
+      <p:sp>
+        <p:nvSpPr>
+          <p:cNvPr id="4" name="Slide Number Placeholder 3">
+            <a:extLst>
+              <a:ext uri="{FF2B5EF4-FFF2-40B4-BE49-F238E27FC236}">
+                <a16:creationId xmlns:a16="http://schemas.microsoft.com/office/drawing/2014/main" id="{4349A43D-D378-A926-D0DD-C0FE32B2F867}"/>
+              </a:ext>
+            </a:extLst>
+          </p:cNvPr>
+          <p:cNvSpPr>
+            <a:spLocks noGrp="1"/>
+          </p:cNvSpPr>
+          <p:nvPr>
+            <p:ph type="sldNum" sz="quarter" idx="10"/>
+          </p:nvPr>
+        </p:nvSpPr>
+        <p:spPr/>
+        <p:txBody>
+          <a:bodyPr/>
+          <a:lstStyle/>
+          <a:p>
+            <a:fld id="{2A838477-70AC-4892-810E-E936ABB30F23}" type="slidenum">
+              <a:rPr lang="en-US" smtClean="0"/>
+              <a:t>19</a:t>
+            </a:fld>
+            <a:endParaRPr lang="en-US"/>
+          </a:p>
+        </p:txBody>
+      </p:sp>
+    </p:spTree>
+    <p:extLst>
+      <p:ext uri="{BB962C8B-B14F-4D97-AF65-F5344CB8AC3E}">
+        <p14:creationId xmlns:p14="http://schemas.microsoft.com/office/powerpoint/2010/main" val="4225107731"/>
+      </p:ext>
+    </p:extLst>
+  </p:cSld>
+  <p:clrMapOvr>
+    <a:masterClrMapping/>
+  </p:clrMapOvr>
+</p:notes>
+</file>
+
+<file path=ppt/notesSlides/notesSlide4.xml><?xml version="1.0" encoding="utf-8"?>
+<p:notes xmlns:a="http://schemas.openxmlformats.org/drawingml/2006/main" xmlns:r="http://schemas.openxmlformats.org/officeDocument/2006/relationships" xmlns:p="http://schemas.openxmlformats.org/presentationml/2006/main">
+  <p:cSld>
+    <p:spTree>
+      <p:nvGrpSpPr>
+        <p:cNvPr id="1" name="">
+          <a:extLst>
+            <a:ext uri="{FF2B5EF4-FFF2-40B4-BE49-F238E27FC236}">
+              <a16:creationId xmlns:a16="http://schemas.microsoft.com/office/drawing/2014/main" id="{A3EB5D65-86BF-7F02-E19F-2E413BCC794E}"/>
+            </a:ext>
+          </a:extLst>
+        </p:cNvPr>
+        <p:cNvGrpSpPr/>
+        <p:nvPr/>
+      </p:nvGrpSpPr>
+      <p:grpSpPr>
+        <a:xfrm>
+          <a:off x="0" y="0"/>
+          <a:ext cx="0" cy="0"/>
+          <a:chOff x="0" y="0"/>
+          <a:chExt cx="0" cy="0"/>
+        </a:xfrm>
+      </p:grpSpPr>
+      <p:sp>
+        <p:nvSpPr>
+          <p:cNvPr id="2" name="Slide Image Placeholder 1">
+            <a:extLst>
+              <a:ext uri="{FF2B5EF4-FFF2-40B4-BE49-F238E27FC236}">
+                <a16:creationId xmlns:a16="http://schemas.microsoft.com/office/drawing/2014/main" id="{311DCD5F-4044-3A90-D81B-069C3205F333}"/>
+              </a:ext>
+            </a:extLst>
+          </p:cNvPr>
+          <p:cNvSpPr>
+            <a:spLocks noGrp="1" noRot="1" noChangeAspect="1"/>
+          </p:cNvSpPr>
+          <p:nvPr>
+            <p:ph type="sldImg"/>
+          </p:nvPr>
+        </p:nvSpPr>
+        <p:spPr/>
+      </p:sp>
+      <p:sp>
+        <p:nvSpPr>
+          <p:cNvPr id="3" name="Notes Placeholder 2">
+            <a:extLst>
+              <a:ext uri="{FF2B5EF4-FFF2-40B4-BE49-F238E27FC236}">
+                <a16:creationId xmlns:a16="http://schemas.microsoft.com/office/drawing/2014/main" id="{65416195-4AFD-DED4-722F-B1513B3506F2}"/>
+              </a:ext>
+            </a:extLst>
+          </p:cNvPr>
+          <p:cNvSpPr>
+            <a:spLocks noGrp="1"/>
+          </p:cNvSpPr>
+          <p:nvPr>
+            <p:ph type="body" idx="1"/>
+          </p:nvPr>
+        </p:nvSpPr>
+        <p:spPr/>
+        <p:txBody>
+          <a:bodyPr/>
+          <a:lstStyle/>
+          <a:p>
+            <a:endParaRPr lang="en-PH"/>
+          </a:p>
+        </p:txBody>
+      </p:sp>
+      <p:sp>
+        <p:nvSpPr>
+          <p:cNvPr id="4" name="Slide Number Placeholder 3">
+            <a:extLst>
+              <a:ext uri="{FF2B5EF4-FFF2-40B4-BE49-F238E27FC236}">
+                <a16:creationId xmlns:a16="http://schemas.microsoft.com/office/drawing/2014/main" id="{743D56EA-C075-9655-F972-B54C0CF47F6A}"/>
+              </a:ext>
+            </a:extLst>
+          </p:cNvPr>
+          <p:cNvSpPr>
+            <a:spLocks noGrp="1"/>
+          </p:cNvSpPr>
+          <p:nvPr>
+            <p:ph type="sldNum" sz="quarter" idx="10"/>
+          </p:nvPr>
+        </p:nvSpPr>
+        <p:spPr/>
+        <p:txBody>
+          <a:bodyPr/>
+          <a:lstStyle/>
+          <a:p>
+            <a:fld id="{2A838477-70AC-4892-810E-E936ABB30F23}" type="slidenum">
+              <a:rPr lang="en-US" smtClean="0"/>
+              <a:t>20</a:t>
+            </a:fld>
+            <a:endParaRPr lang="en-US"/>
+          </a:p>
+        </p:txBody>
+      </p:sp>
+    </p:spTree>
+    <p:extLst>
+      <p:ext uri="{BB962C8B-B14F-4D97-AF65-F5344CB8AC3E}">
+        <p14:creationId xmlns:p14="http://schemas.microsoft.com/office/powerpoint/2010/main" val="2660166631"/>
+      </p:ext>
+    </p:extLst>
+  </p:cSld>
+  <p:clrMapOvr>
+    <a:masterClrMapping/>
+  </p:clrMapOvr>
+</p:notes>
+</file>
+
+<file path=ppt/notesSlides/notesSlide5.xml><?xml version="1.0" encoding="utf-8"?>
+<p:notes xmlns:a="http://schemas.openxmlformats.org/drawingml/2006/main" xmlns:r="http://schemas.openxmlformats.org/officeDocument/2006/relationships" xmlns:p="http://schemas.openxmlformats.org/presentationml/2006/main">
+  <p:cSld>
+    <p:spTree>
+      <p:nvGrpSpPr>
+        <p:cNvPr id="1" name="">
+          <a:extLst>
+            <a:ext uri="{FF2B5EF4-FFF2-40B4-BE49-F238E27FC236}">
+              <a16:creationId xmlns:a16="http://schemas.microsoft.com/office/drawing/2014/main" id="{6678F441-3856-C563-42AD-A2B29FA75793}"/>
+            </a:ext>
+          </a:extLst>
+        </p:cNvPr>
+        <p:cNvGrpSpPr/>
+        <p:nvPr/>
+      </p:nvGrpSpPr>
+      <p:grpSpPr>
+        <a:xfrm>
+          <a:off x="0" y="0"/>
+          <a:ext cx="0" cy="0"/>
+          <a:chOff x="0" y="0"/>
+          <a:chExt cx="0" cy="0"/>
+        </a:xfrm>
+      </p:grpSpPr>
+      <p:sp>
+        <p:nvSpPr>
+          <p:cNvPr id="2" name="Slide Image Placeholder 1">
+            <a:extLst>
+              <a:ext uri="{FF2B5EF4-FFF2-40B4-BE49-F238E27FC236}">
+                <a16:creationId xmlns:a16="http://schemas.microsoft.com/office/drawing/2014/main" id="{B7B1B0AF-3FA4-C9DB-CFDF-DF1ED523602F}"/>
+              </a:ext>
+            </a:extLst>
+          </p:cNvPr>
+          <p:cNvSpPr>
+            <a:spLocks noGrp="1" noRot="1" noChangeAspect="1"/>
+          </p:cNvSpPr>
+          <p:nvPr>
+            <p:ph type="sldImg"/>
+          </p:nvPr>
+        </p:nvSpPr>
+        <p:spPr/>
+      </p:sp>
+      <p:sp>
+        <p:nvSpPr>
+          <p:cNvPr id="3" name="Notes Placeholder 2">
+            <a:extLst>
+              <a:ext uri="{FF2B5EF4-FFF2-40B4-BE49-F238E27FC236}">
+                <a16:creationId xmlns:a16="http://schemas.microsoft.com/office/drawing/2014/main" id="{127A451E-8BEC-5EE8-A99B-9A9B6743C126}"/>
+              </a:ext>
+            </a:extLst>
+          </p:cNvPr>
+          <p:cNvSpPr>
+            <a:spLocks noGrp="1"/>
+          </p:cNvSpPr>
+          <p:nvPr>
+            <p:ph type="body" idx="1"/>
+          </p:nvPr>
+        </p:nvSpPr>
+        <p:spPr/>
+        <p:txBody>
+          <a:bodyPr/>
+          <a:lstStyle/>
+          <a:p>
+            <a:endParaRPr lang="en-PH"/>
+          </a:p>
+        </p:txBody>
+      </p:sp>
+      <p:sp>
+        <p:nvSpPr>
+          <p:cNvPr id="4" name="Slide Number Placeholder 3">
+            <a:extLst>
+              <a:ext uri="{FF2B5EF4-FFF2-40B4-BE49-F238E27FC236}">
+                <a16:creationId xmlns:a16="http://schemas.microsoft.com/office/drawing/2014/main" id="{01341D7A-8CCF-63C0-231D-4CC4EC42169C}"/>
+              </a:ext>
+            </a:extLst>
+          </p:cNvPr>
+          <p:cNvSpPr>
+            <a:spLocks noGrp="1"/>
+          </p:cNvSpPr>
+          <p:nvPr>
+            <p:ph type="sldNum" sz="quarter" idx="10"/>
+          </p:nvPr>
+        </p:nvSpPr>
+        <p:spPr/>
+        <p:txBody>
+          <a:bodyPr/>
+          <a:lstStyle/>
+          <a:p>
+            <a:fld id="{2A838477-70AC-4892-810E-E936ABB30F23}" type="slidenum">
+              <a:rPr lang="en-US" smtClean="0"/>
+              <a:t>21</a:t>
+            </a:fld>
+            <a:endParaRPr lang="en-US"/>
+          </a:p>
+        </p:txBody>
+      </p:sp>
+    </p:spTree>
+    <p:extLst>
+      <p:ext uri="{BB962C8B-B14F-4D97-AF65-F5344CB8AC3E}">
+        <p14:creationId xmlns:p14="http://schemas.microsoft.com/office/powerpoint/2010/main" val="2694105587"/>
+      </p:ext>
+    </p:extLst>
+  </p:cSld>
+  <p:clrMapOvr>
+    <a:masterClrMapping/>
+  </p:clrMapOvr>
+</p:notes>
+</file>
+
+<file path=ppt/notesSlides/notesSlide6.xml><?xml version="1.0" encoding="utf-8"?>
+<p:notes xmlns:a="http://schemas.openxmlformats.org/drawingml/2006/main" xmlns:r="http://schemas.openxmlformats.org/officeDocument/2006/relationships" xmlns:p="http://schemas.openxmlformats.org/presentationml/2006/main">
+  <p:cSld>
+    <p:spTree>
+      <p:nvGrpSpPr>
+        <p:cNvPr id="1" name="">
+          <a:extLst>
+            <a:ext uri="{FF2B5EF4-FFF2-40B4-BE49-F238E27FC236}">
+              <a16:creationId xmlns:a16="http://schemas.microsoft.com/office/drawing/2014/main" id="{D394CB65-21BB-F2E3-B554-DDC37A5B5849}"/>
+            </a:ext>
+          </a:extLst>
+        </p:cNvPr>
+        <p:cNvGrpSpPr/>
+        <p:nvPr/>
+      </p:nvGrpSpPr>
+      <p:grpSpPr>
+        <a:xfrm>
+          <a:off x="0" y="0"/>
+          <a:ext cx="0" cy="0"/>
+          <a:chOff x="0" y="0"/>
+          <a:chExt cx="0" cy="0"/>
+        </a:xfrm>
+      </p:grpSpPr>
+      <p:sp>
+        <p:nvSpPr>
+          <p:cNvPr id="2" name="Slide Image Placeholder 1">
+            <a:extLst>
+              <a:ext uri="{FF2B5EF4-FFF2-40B4-BE49-F238E27FC236}">
+                <a16:creationId xmlns:a16="http://schemas.microsoft.com/office/drawing/2014/main" id="{A65865F4-D5DC-553A-89AC-65CDB6655CDD}"/>
+              </a:ext>
+            </a:extLst>
+          </p:cNvPr>
+          <p:cNvSpPr>
+            <a:spLocks noGrp="1" noRot="1" noChangeAspect="1"/>
+          </p:cNvSpPr>
+          <p:nvPr>
+            <p:ph type="sldImg"/>
+          </p:nvPr>
+        </p:nvSpPr>
+        <p:spPr/>
+      </p:sp>
+      <p:sp>
+        <p:nvSpPr>
+          <p:cNvPr id="3" name="Notes Placeholder 2">
+            <a:extLst>
+              <a:ext uri="{FF2B5EF4-FFF2-40B4-BE49-F238E27FC236}">
+                <a16:creationId xmlns:a16="http://schemas.microsoft.com/office/drawing/2014/main" id="{029485EB-C054-EFEA-322B-90E7630F75F7}"/>
+              </a:ext>
+            </a:extLst>
+          </p:cNvPr>
+          <p:cNvSpPr>
+            <a:spLocks noGrp="1"/>
+          </p:cNvSpPr>
+          <p:nvPr>
+            <p:ph type="body" idx="1"/>
+          </p:nvPr>
+        </p:nvSpPr>
+        <p:spPr/>
+        <p:txBody>
+          <a:bodyPr/>
+          <a:lstStyle/>
+          <a:p>
+            <a:endParaRPr lang="en-PH"/>
+          </a:p>
+        </p:txBody>
+      </p:sp>
+      <p:sp>
+        <p:nvSpPr>
+          <p:cNvPr id="4" name="Slide Number Placeholder 3">
+            <a:extLst>
+              <a:ext uri="{FF2B5EF4-FFF2-40B4-BE49-F238E27FC236}">
+                <a16:creationId xmlns:a16="http://schemas.microsoft.com/office/drawing/2014/main" id="{F3249ECA-F11D-3067-FE3C-DCCFBD225031}"/>
+              </a:ext>
+            </a:extLst>
+          </p:cNvPr>
+          <p:cNvSpPr>
+            <a:spLocks noGrp="1"/>
+          </p:cNvSpPr>
+          <p:nvPr>
+            <p:ph type="sldNum" sz="quarter" idx="10"/>
+          </p:nvPr>
+        </p:nvSpPr>
+        <p:spPr/>
+        <p:txBody>
+          <a:bodyPr/>
+          <a:lstStyle/>
+          <a:p>
+            <a:fld id="{2A838477-70AC-4892-810E-E936ABB30F23}" type="slidenum">
+              <a:rPr lang="en-US" smtClean="0"/>
+              <a:t>22</a:t>
+            </a:fld>
+            <a:endParaRPr lang="en-US"/>
+          </a:p>
+        </p:txBody>
+      </p:sp>
+    </p:spTree>
+    <p:extLst>
+      <p:ext uri="{BB962C8B-B14F-4D97-AF65-F5344CB8AC3E}">
+        <p14:creationId xmlns:p14="http://schemas.microsoft.com/office/powerpoint/2010/main" val="3440059001"/>
+      </p:ext>
+    </p:extLst>
+  </p:cSld>
+  <p:clrMapOvr>
+    <a:masterClrMapping/>
+  </p:clrMapOvr>
+</p:notes>
+</file>
+
+<file path=ppt/notesSlides/notesSlide7.xml><?xml version="1.0" encoding="utf-8"?>
+<p:notes xmlns:a="http://schemas.openxmlformats.org/drawingml/2006/main" xmlns:r="http://schemas.openxmlformats.org/officeDocument/2006/relationships" xmlns:p="http://schemas.openxmlformats.org/presentationml/2006/main">
+  <p:cSld>
+    <p:spTree>
+      <p:nvGrpSpPr>
+        <p:cNvPr id="1" name="">
+          <a:extLst>
+            <a:ext uri="{FF2B5EF4-FFF2-40B4-BE49-F238E27FC236}">
+              <a16:creationId xmlns:a16="http://schemas.microsoft.com/office/drawing/2014/main" id="{33C3952C-08C3-315B-3415-C20219E1BD29}"/>
+            </a:ext>
+          </a:extLst>
+        </p:cNvPr>
+        <p:cNvGrpSpPr/>
+        <p:nvPr/>
+      </p:nvGrpSpPr>
+      <p:grpSpPr>
+        <a:xfrm>
+          <a:off x="0" y="0"/>
+          <a:ext cx="0" cy="0"/>
+          <a:chOff x="0" y="0"/>
+          <a:chExt cx="0" cy="0"/>
+        </a:xfrm>
+      </p:grpSpPr>
+      <p:sp>
+        <p:nvSpPr>
+          <p:cNvPr id="2" name="Slide Image Placeholder 1">
+            <a:extLst>
+              <a:ext uri="{FF2B5EF4-FFF2-40B4-BE49-F238E27FC236}">
+                <a16:creationId xmlns:a16="http://schemas.microsoft.com/office/drawing/2014/main" id="{C10B6014-26DD-2113-0670-069141D629FC}"/>
+              </a:ext>
+            </a:extLst>
+          </p:cNvPr>
+          <p:cNvSpPr>
+            <a:spLocks noGrp="1" noRot="1" noChangeAspect="1"/>
+          </p:cNvSpPr>
+          <p:nvPr>
+            <p:ph type="sldImg"/>
+          </p:nvPr>
+        </p:nvSpPr>
+        <p:spPr/>
+      </p:sp>
+      <p:sp>
+        <p:nvSpPr>
+          <p:cNvPr id="3" name="Notes Placeholder 2">
+            <a:extLst>
+              <a:ext uri="{FF2B5EF4-FFF2-40B4-BE49-F238E27FC236}">
+                <a16:creationId xmlns:a16="http://schemas.microsoft.com/office/drawing/2014/main" id="{761DC470-1BC9-64D7-9D40-CE741EFB9B02}"/>
+              </a:ext>
+            </a:extLst>
+          </p:cNvPr>
+          <p:cNvSpPr>
+            <a:spLocks noGrp="1"/>
+          </p:cNvSpPr>
+          <p:nvPr>
+            <p:ph type="body" idx="1"/>
+          </p:nvPr>
+        </p:nvSpPr>
+        <p:spPr/>
+        <p:txBody>
+          <a:bodyPr/>
+          <a:lstStyle/>
+          <a:p>
+            <a:endParaRPr lang="en-PH"/>
+          </a:p>
+        </p:txBody>
+      </p:sp>
+      <p:sp>
+        <p:nvSpPr>
+          <p:cNvPr id="4" name="Slide Number Placeholder 3">
+            <a:extLst>
+              <a:ext uri="{FF2B5EF4-FFF2-40B4-BE49-F238E27FC236}">
+                <a16:creationId xmlns:a16="http://schemas.microsoft.com/office/drawing/2014/main" id="{6EC18622-8588-04C8-98A9-E8F9F2D6A9FD}"/>
+              </a:ext>
+            </a:extLst>
+          </p:cNvPr>
+          <p:cNvSpPr>
+            <a:spLocks noGrp="1"/>
+          </p:cNvSpPr>
+          <p:nvPr>
+            <p:ph type="sldNum" sz="quarter" idx="10"/>
+          </p:nvPr>
+        </p:nvSpPr>
+        <p:spPr/>
+        <p:txBody>
+          <a:bodyPr/>
+          <a:lstStyle/>
+          <a:p>
+            <a:fld id="{2A838477-70AC-4892-810E-E936ABB30F23}" type="slidenum">
+              <a:rPr lang="en-US" smtClean="0"/>
+              <a:t>23</a:t>
+            </a:fld>
+            <a:endParaRPr lang="en-US"/>
+          </a:p>
+        </p:txBody>
+      </p:sp>
+    </p:spTree>
+    <p:extLst>
+      <p:ext uri="{BB962C8B-B14F-4D97-AF65-F5344CB8AC3E}">
+        <p14:creationId xmlns:p14="http://schemas.microsoft.com/office/powerpoint/2010/main" val="2324854688"/>
+      </p:ext>
+    </p:extLst>
+  </p:cSld>
+  <p:clrMapOvr>
+    <a:masterClrMapping/>
+  </p:clrMapOvr>
+</p:notes>
+</file>
+
+<file path=ppt/notesSlides/notesSlide8.xml><?xml version="1.0" encoding="utf-8"?>
+<p:notes xmlns:a="http://schemas.openxmlformats.org/drawingml/2006/main" xmlns:r="http://schemas.openxmlformats.org/officeDocument/2006/relationships" xmlns:p="http://schemas.openxmlformats.org/presentationml/2006/main">
+  <p:cSld>
+    <p:spTree>
+      <p:nvGrpSpPr>
+        <p:cNvPr id="1" name="">
+          <a:extLst>
+            <a:ext uri="{FF2B5EF4-FFF2-40B4-BE49-F238E27FC236}">
+              <a16:creationId xmlns:a16="http://schemas.microsoft.com/office/drawing/2014/main" id="{778E184A-D142-D2B9-2653-1F7F5B18C4E9}"/>
+            </a:ext>
+          </a:extLst>
+        </p:cNvPr>
+        <p:cNvGrpSpPr/>
+        <p:nvPr/>
+      </p:nvGrpSpPr>
+      <p:grpSpPr>
+        <a:xfrm>
+          <a:off x="0" y="0"/>
+          <a:ext cx="0" cy="0"/>
+          <a:chOff x="0" y="0"/>
+          <a:chExt cx="0" cy="0"/>
+        </a:xfrm>
+      </p:grpSpPr>
+      <p:sp>
+        <p:nvSpPr>
+          <p:cNvPr id="2" name="Slide Image Placeholder 1">
+            <a:extLst>
+              <a:ext uri="{FF2B5EF4-FFF2-40B4-BE49-F238E27FC236}">
+                <a16:creationId xmlns:a16="http://schemas.microsoft.com/office/drawing/2014/main" id="{9A130E8D-2975-2B2F-24CE-25ACADDC7809}"/>
+              </a:ext>
+            </a:extLst>
+          </p:cNvPr>
+          <p:cNvSpPr>
+            <a:spLocks noGrp="1" noRot="1" noChangeAspect="1"/>
+          </p:cNvSpPr>
+          <p:nvPr>
+            <p:ph type="sldImg"/>
+          </p:nvPr>
+        </p:nvSpPr>
+        <p:spPr/>
+      </p:sp>
+      <p:sp>
+        <p:nvSpPr>
+          <p:cNvPr id="3" name="Notes Placeholder 2">
+            <a:extLst>
+              <a:ext uri="{FF2B5EF4-FFF2-40B4-BE49-F238E27FC236}">
+                <a16:creationId xmlns:a16="http://schemas.microsoft.com/office/drawing/2014/main" id="{8D3EC2FC-F917-93C9-E6C9-558394C720DC}"/>
+              </a:ext>
+            </a:extLst>
+          </p:cNvPr>
+          <p:cNvSpPr>
+            <a:spLocks noGrp="1"/>
+          </p:cNvSpPr>
+          <p:nvPr>
+            <p:ph type="body" idx="1"/>
+          </p:nvPr>
+        </p:nvSpPr>
+        <p:spPr/>
+        <p:txBody>
+          <a:bodyPr/>
+          <a:lstStyle/>
+          <a:p>
+            <a:endParaRPr lang="en-PH"/>
+          </a:p>
+        </p:txBody>
+      </p:sp>
+      <p:sp>
+        <p:nvSpPr>
+          <p:cNvPr id="4" name="Slide Number Placeholder 3">
+            <a:extLst>
+              <a:ext uri="{FF2B5EF4-FFF2-40B4-BE49-F238E27FC236}">
+                <a16:creationId xmlns:a16="http://schemas.microsoft.com/office/drawing/2014/main" id="{09F1CAC8-465C-31C0-9520-D75B11C903EE}"/>
+              </a:ext>
+            </a:extLst>
+          </p:cNvPr>
+          <p:cNvSpPr>
+            <a:spLocks noGrp="1"/>
+          </p:cNvSpPr>
+          <p:nvPr>
+            <p:ph type="sldNum" sz="quarter" idx="10"/>
+          </p:nvPr>
+        </p:nvSpPr>
+        <p:spPr/>
+        <p:txBody>
+          <a:bodyPr/>
+          <a:lstStyle/>
+          <a:p>
+            <a:fld id="{2A838477-70AC-4892-810E-E936ABB30F23}" type="slidenum">
+              <a:rPr lang="en-US" smtClean="0"/>
+              <a:t>24</a:t>
+            </a:fld>
+            <a:endParaRPr lang="en-US"/>
+          </a:p>
+        </p:txBody>
+      </p:sp>
+    </p:spTree>
+    <p:extLst>
+      <p:ext uri="{BB962C8B-B14F-4D97-AF65-F5344CB8AC3E}">
+        <p14:creationId xmlns:p14="http://schemas.microsoft.com/office/powerpoint/2010/main" val="1708289566"/>
+      </p:ext>
+    </p:extLst>
+  </p:cSld>
+  <p:clrMapOvr>
+    <a:masterClrMapping/>
+  </p:clrMapOvr>
+</p:notes>
+</file>
+
+<file path=ppt/notesSlides/notesSlide9.xml><?xml version="1.0" encoding="utf-8"?>
+<p:notes xmlns:a="http://schemas.openxmlformats.org/drawingml/2006/main" xmlns:r="http://schemas.openxmlformats.org/officeDocument/2006/relationships" xmlns:p="http://schemas.openxmlformats.org/presentationml/2006/main">
+  <p:cSld>
+    <p:spTree>
+      <p:nvGrpSpPr>
+        <p:cNvPr id="1" name="">
+          <a:extLst>
+            <a:ext uri="{FF2B5EF4-FFF2-40B4-BE49-F238E27FC236}">
+              <a16:creationId xmlns:a16="http://schemas.microsoft.com/office/drawing/2014/main" id="{AC41A9B5-B93D-37D4-8DC5-C6EB27644200}"/>
+            </a:ext>
+          </a:extLst>
+        </p:cNvPr>
+        <p:cNvGrpSpPr/>
+        <p:nvPr/>
+      </p:nvGrpSpPr>
+      <p:grpSpPr>
+        <a:xfrm>
+          <a:off x="0" y="0"/>
+          <a:ext cx="0" cy="0"/>
+          <a:chOff x="0" y="0"/>
+          <a:chExt cx="0" cy="0"/>
+        </a:xfrm>
+      </p:grpSpPr>
+      <p:sp>
+        <p:nvSpPr>
+          <p:cNvPr id="2" name="Slide Image Placeholder 1">
+            <a:extLst>
+              <a:ext uri="{FF2B5EF4-FFF2-40B4-BE49-F238E27FC236}">
+                <a16:creationId xmlns:a16="http://schemas.microsoft.com/office/drawing/2014/main" id="{5F736A63-37BC-5229-502B-EB1E2DD7927F}"/>
+              </a:ext>
+            </a:extLst>
+          </p:cNvPr>
+          <p:cNvSpPr>
+            <a:spLocks noGrp="1" noRot="1" noChangeAspect="1"/>
+          </p:cNvSpPr>
+          <p:nvPr>
+            <p:ph type="sldImg"/>
+          </p:nvPr>
+        </p:nvSpPr>
+        <p:spPr/>
+      </p:sp>
+      <p:sp>
+        <p:nvSpPr>
+          <p:cNvPr id="3" name="Notes Placeholder 2">
+            <a:extLst>
+              <a:ext uri="{FF2B5EF4-FFF2-40B4-BE49-F238E27FC236}">
+                <a16:creationId xmlns:a16="http://schemas.microsoft.com/office/drawing/2014/main" id="{7B3C602D-07C7-2CCD-1799-518EB781E969}"/>
+              </a:ext>
+            </a:extLst>
+          </p:cNvPr>
+          <p:cNvSpPr>
+            <a:spLocks noGrp="1"/>
+          </p:cNvSpPr>
+          <p:nvPr>
+            <p:ph type="body" idx="1"/>
+          </p:nvPr>
+        </p:nvSpPr>
+        <p:spPr/>
+        <p:txBody>
+          <a:bodyPr/>
+          <a:lstStyle/>
+          <a:p>
+            <a:endParaRPr lang="en-PH"/>
+          </a:p>
+        </p:txBody>
+      </p:sp>
+      <p:sp>
+        <p:nvSpPr>
+          <p:cNvPr id="4" name="Slide Number Placeholder 3">
+            <a:extLst>
+              <a:ext uri="{FF2B5EF4-FFF2-40B4-BE49-F238E27FC236}">
+                <a16:creationId xmlns:a16="http://schemas.microsoft.com/office/drawing/2014/main" id="{578F8636-9D6E-1420-6FFD-2447D4594CAA}"/>
+              </a:ext>
+            </a:extLst>
+          </p:cNvPr>
+          <p:cNvSpPr>
+            <a:spLocks noGrp="1"/>
+          </p:cNvSpPr>
+          <p:nvPr>
+            <p:ph type="sldNum" sz="quarter" idx="10"/>
+          </p:nvPr>
+        </p:nvSpPr>
+        <p:spPr/>
+        <p:txBody>
+          <a:bodyPr/>
+          <a:lstStyle/>
+          <a:p>
+            <a:fld id="{2A838477-70AC-4892-810E-E936ABB30F23}" type="slidenum">
+              <a:rPr lang="en-US" smtClean="0"/>
+              <a:t>25</a:t>
+            </a:fld>
+            <a:endParaRPr lang="en-US"/>
+          </a:p>
+        </p:txBody>
+      </p:sp>
+    </p:spTree>
+    <p:extLst>
+      <p:ext uri="{BB962C8B-B14F-4D97-AF65-F5344CB8AC3E}">
+        <p14:creationId xmlns:p14="http://schemas.microsoft.com/office/powerpoint/2010/main" val="32025552"/>
       </p:ext>
     </p:extLst>
   </p:cSld>
@@ -5009,7 +6099,13 @@
   <p:cSld>
     <p:spTree>
       <p:nvGrpSpPr>
-        <p:cNvPr id="1" name=""/>
+        <p:cNvPr id="1" name="">
+          <a:extLst>
+            <a:ext uri="{FF2B5EF4-FFF2-40B4-BE49-F238E27FC236}">
+              <a16:creationId xmlns:a16="http://schemas.microsoft.com/office/drawing/2014/main" id="{D287B5B1-BBCD-AC5D-F981-E18D0FB6618B}"/>
+            </a:ext>
+          </a:extLst>
+        </p:cNvPr>
         <p:cNvGrpSpPr/>
         <p:nvPr/>
       </p:nvGrpSpPr>
@@ -5023,14 +6119,20 @@
       </p:grpSpPr>
       <p:sp>
         <p:nvSpPr>
-          <p:cNvPr id="6" name="TextBox 5"/>
+          <p:cNvPr id="2" name="TextBox 1">
+            <a:extLst>
+              <a:ext uri="{FF2B5EF4-FFF2-40B4-BE49-F238E27FC236}">
+                <a16:creationId xmlns:a16="http://schemas.microsoft.com/office/drawing/2014/main" id="{6A77F3D2-7944-62E3-A1AA-A93A4D3E861C}"/>
+              </a:ext>
+            </a:extLst>
+          </p:cNvPr>
           <p:cNvSpPr txBox="1"/>
           <p:nvPr/>
         </p:nvSpPr>
         <p:spPr>
           <a:xfrm>
-            <a:off x="721364" y="2562078"/>
-            <a:ext cx="10749281" cy="830997"/>
+            <a:off x="909655" y="885546"/>
+            <a:ext cx="10282560" cy="584775"/>
           </a:xfrm>
           <a:prstGeom prst="rect">
             <a:avLst/>
@@ -5043,35 +6145,462 @@
           </a:bodyPr>
           <a:lstStyle/>
           <a:p>
-            <a:pPr algn="ctr"/>
-            <a:r>
-              <a:rPr lang="en-US" sz="4800" b="1" dirty="0">
-                <a:latin typeface="Arial" pitchFamily="34" charset="0"/>
-                <a:cs typeface="Arial" pitchFamily="34" charset="0"/>
-              </a:rPr>
-              <a:t>Thank you very much for listening</a:t>
-            </a:r>
-            <a:r>
-              <a:rPr lang="en-US" sz="3200" b="1" dirty="0">
-                <a:latin typeface="Arial" pitchFamily="34" charset="0"/>
-                <a:cs typeface="Arial" pitchFamily="34" charset="0"/>
-              </a:rPr>
-              <a:t>.</a:t>
-            </a:r>
-            <a:endParaRPr lang="en-US" sz="3200" b="1" dirty="0">
-              <a:solidFill>
-                <a:schemeClr val="accent2"/>
-              </a:solidFill>
-              <a:latin typeface="Arial" pitchFamily="34" charset="0"/>
-              <a:cs typeface="Arial" pitchFamily="34" charset="0"/>
-            </a:endParaRPr>
-          </a:p>
-        </p:txBody>
-      </p:sp>
+            <a:r>
+              <a:rPr lang="en-US" sz="3200" b="1" dirty="0"/>
+              <a:t>01. What does ETS stand for in time series decomposition</a:t>
+            </a:r>
+            <a:endParaRPr lang="en-PH" sz="3200" dirty="0"/>
+          </a:p>
+        </p:txBody>
+      </p:sp>
+      <p:graphicFrame>
+        <p:nvGraphicFramePr>
+          <p:cNvPr id="4" name="Table 3">
+            <a:extLst>
+              <a:ext uri="{FF2B5EF4-FFF2-40B4-BE49-F238E27FC236}">
+                <a16:creationId xmlns:a16="http://schemas.microsoft.com/office/drawing/2014/main" id="{60EFAB57-4FE0-22BB-E41B-767ABA47AA48}"/>
+              </a:ext>
+            </a:extLst>
+          </p:cNvPr>
+          <p:cNvGraphicFramePr>
+            <a:graphicFrameLocks noGrp="1"/>
+          </p:cNvGraphicFramePr>
+          <p:nvPr>
+            <p:extLst>
+              <p:ext uri="{D42A27DB-BD31-4B8C-83A1-F6EECF244321}">
+                <p14:modId xmlns:p14="http://schemas.microsoft.com/office/powerpoint/2010/main" val="2722124502"/>
+              </p:ext>
+            </p:extLst>
+          </p:nvPr>
+        </p:nvGraphicFramePr>
+        <p:xfrm>
+          <a:off x="983203" y="2468794"/>
+          <a:ext cx="10135464" cy="2153513"/>
+        </p:xfrm>
+        <a:graphic>
+          <a:graphicData uri="http://schemas.openxmlformats.org/drawingml/2006/table">
+            <a:tbl>
+              <a:tblPr firstRow="1" bandRow="1">
+                <a:tableStyleId>{5940675A-B579-460E-94D1-54222C63F5DA}</a:tableStyleId>
+              </a:tblPr>
+              <a:tblGrid>
+                <a:gridCol w="10135464">
+                  <a:extLst>
+                    <a:ext uri="{9D8B030D-6E8A-4147-A177-3AD203B41FA5}">
+                      <a16:colId xmlns:a16="http://schemas.microsoft.com/office/drawing/2014/main" val="347220614"/>
+                    </a:ext>
+                  </a:extLst>
+                </a:gridCol>
+              </a:tblGrid>
+              <a:tr h="417278">
+                <a:tc>
+                  <a:txBody>
+                    <a:bodyPr/>
+                    <a:lstStyle/>
+                    <a:p>
+                      <a:r>
+                        <a:rPr lang="en-US" sz="2800" b="1" dirty="0"/>
+                        <a:t>A</a:t>
+                      </a:r>
+                      <a:r>
+                        <a:rPr lang="en-US" sz="2800" dirty="0"/>
+                        <a:t>. Exponential Time Series</a:t>
+                      </a:r>
+                      <a:endParaRPr lang="en-PH" sz="2800" dirty="0"/>
+                    </a:p>
+                  </a:txBody>
+                  <a:tcPr/>
+                </a:tc>
+                <a:extLst>
+                  <a:ext uri="{0D108BD9-81ED-4DB2-BD59-A6C34878D82A}">
+                    <a16:rowId xmlns:a16="http://schemas.microsoft.com/office/drawing/2014/main" val="3090890639"/>
+                  </a:ext>
+                </a:extLst>
+              </a:tr>
+              <a:tr h="599033">
+                <a:tc>
+                  <a:txBody>
+                    <a:bodyPr/>
+                    <a:lstStyle/>
+                    <a:p>
+                      <a:r>
+                        <a:rPr lang="en-US" sz="2800" b="1" dirty="0"/>
+                        <a:t>B</a:t>
+                      </a:r>
+                      <a:r>
+                        <a:rPr lang="en-US" sz="2800" dirty="0"/>
+                        <a:t>. Error Trend Seasonality</a:t>
+                      </a:r>
+                    </a:p>
+                  </a:txBody>
+                  <a:tcPr/>
+                </a:tc>
+                <a:extLst>
+                  <a:ext uri="{0D108BD9-81ED-4DB2-BD59-A6C34878D82A}">
+                    <a16:rowId xmlns:a16="http://schemas.microsoft.com/office/drawing/2014/main" val="2340900590"/>
+                  </a:ext>
+                </a:extLst>
+              </a:tr>
+              <a:tr h="508725">
+                <a:tc>
+                  <a:txBody>
+                    <a:bodyPr/>
+                    <a:lstStyle/>
+                    <a:p>
+                      <a:r>
+                        <a:rPr lang="en-US" sz="2800" b="1" dirty="0"/>
+                        <a:t>C</a:t>
+                      </a:r>
+                      <a:r>
+                        <a:rPr lang="en-US" sz="2800" dirty="0"/>
+                        <a:t>. Expert Time Series</a:t>
+                      </a:r>
+                      <a:endParaRPr lang="en-PH" sz="2800" dirty="0"/>
+                    </a:p>
+                  </a:txBody>
+                  <a:tcPr>
+                    <a:solidFill>
+                      <a:schemeClr val="bg1"/>
+                    </a:solidFill>
+                  </a:tcPr>
+                </a:tc>
+                <a:extLst>
+                  <a:ext uri="{0D108BD9-81ED-4DB2-BD59-A6C34878D82A}">
+                    <a16:rowId xmlns:a16="http://schemas.microsoft.com/office/drawing/2014/main" val="3017780003"/>
+                  </a:ext>
+                </a:extLst>
+              </a:tr>
+              <a:tr h="508725">
+                <a:tc>
+                  <a:txBody>
+                    <a:bodyPr/>
+                    <a:lstStyle/>
+                    <a:p>
+                      <a:pPr marL="0" marR="0" lvl="0" indent="0" algn="l" defTabSz="914400" rtl="0" eaLnBrk="1" fontAlgn="auto" latinLnBrk="0" hangingPunct="1">
+                        <a:lnSpc>
+                          <a:spcPct val="100000"/>
+                        </a:lnSpc>
+                        <a:spcBef>
+                          <a:spcPts val="0"/>
+                        </a:spcBef>
+                        <a:spcAft>
+                          <a:spcPts val="0"/>
+                        </a:spcAft>
+                        <a:buClrTx/>
+                        <a:buSzTx/>
+                        <a:buFontTx/>
+                        <a:buNone/>
+                        <a:tabLst/>
+                        <a:defRPr/>
+                      </a:pPr>
+                      <a:r>
+                        <a:rPr lang="en-US" sz="2800" b="1" kern="1200" dirty="0">
+                          <a:solidFill>
+                            <a:schemeClr val="tx1"/>
+                          </a:solidFill>
+                          <a:latin typeface="+mn-lt"/>
+                          <a:ea typeface="+mn-ea"/>
+                          <a:cs typeface="+mn-cs"/>
+                        </a:rPr>
+                        <a:t>D</a:t>
+                      </a:r>
+                      <a:r>
+                        <a:rPr lang="en-US" sz="2800" kern="1200" dirty="0">
+                          <a:solidFill>
+                            <a:schemeClr val="tx1"/>
+                          </a:solidFill>
+                          <a:latin typeface="+mn-lt"/>
+                          <a:ea typeface="+mn-ea"/>
+                          <a:cs typeface="+mn-cs"/>
+                        </a:rPr>
+                        <a:t>. Error Trial Seasonality</a:t>
+                      </a:r>
+                      <a:endParaRPr lang="en-PH" sz="2800" kern="1200" dirty="0">
+                        <a:solidFill>
+                          <a:schemeClr val="tx1"/>
+                        </a:solidFill>
+                        <a:latin typeface="+mn-lt"/>
+                        <a:ea typeface="+mn-ea"/>
+                        <a:cs typeface="+mn-cs"/>
+                      </a:endParaRPr>
+                    </a:p>
+                  </a:txBody>
+                  <a:tcPr/>
+                </a:tc>
+                <a:extLst>
+                  <a:ext uri="{0D108BD9-81ED-4DB2-BD59-A6C34878D82A}">
+                    <a16:rowId xmlns:a16="http://schemas.microsoft.com/office/drawing/2014/main" val="716630035"/>
+                  </a:ext>
+                </a:extLst>
+              </a:tr>
+            </a:tbl>
+          </a:graphicData>
+        </a:graphic>
+      </p:graphicFrame>
     </p:spTree>
     <p:extLst>
       <p:ext uri="{BB962C8B-B14F-4D97-AF65-F5344CB8AC3E}">
-        <p14:creationId xmlns:p14="http://schemas.microsoft.com/office/powerpoint/2010/main" val="1328378833"/>
+        <p14:creationId xmlns:p14="http://schemas.microsoft.com/office/powerpoint/2010/main" val="760430234"/>
+      </p:ext>
+    </p:extLst>
+  </p:cSld>
+  <p:clrMapOvr>
+    <a:masterClrMapping/>
+  </p:clrMapOvr>
+</p:sld>
+</file>
+
+<file path=ppt/slides/slide19.xml><?xml version="1.0" encoding="utf-8"?>
+<p:sld xmlns:a="http://schemas.openxmlformats.org/drawingml/2006/main" xmlns:r="http://schemas.openxmlformats.org/officeDocument/2006/relationships" xmlns:p="http://schemas.openxmlformats.org/presentationml/2006/main">
+  <p:cSld>
+    <p:spTree>
+      <p:nvGrpSpPr>
+        <p:cNvPr id="1" name="">
+          <a:extLst>
+            <a:ext uri="{FF2B5EF4-FFF2-40B4-BE49-F238E27FC236}">
+              <a16:creationId xmlns:a16="http://schemas.microsoft.com/office/drawing/2014/main" id="{922FA58A-F216-D3EF-1E0C-3450732A4798}"/>
+            </a:ext>
+          </a:extLst>
+        </p:cNvPr>
+        <p:cNvGrpSpPr/>
+        <p:nvPr/>
+      </p:nvGrpSpPr>
+      <p:grpSpPr>
+        <a:xfrm>
+          <a:off x="0" y="0"/>
+          <a:ext cx="0" cy="0"/>
+          <a:chOff x="0" y="0"/>
+          <a:chExt cx="0" cy="0"/>
+        </a:xfrm>
+      </p:grpSpPr>
+      <p:sp>
+        <p:nvSpPr>
+          <p:cNvPr id="2" name="TextBox 1">
+            <a:extLst>
+              <a:ext uri="{FF2B5EF4-FFF2-40B4-BE49-F238E27FC236}">
+                <a16:creationId xmlns:a16="http://schemas.microsoft.com/office/drawing/2014/main" id="{32849AEC-854C-BBBB-0C4B-5B53B216E0D0}"/>
+              </a:ext>
+            </a:extLst>
+          </p:cNvPr>
+          <p:cNvSpPr txBox="1"/>
+          <p:nvPr/>
+        </p:nvSpPr>
+        <p:spPr>
+          <a:xfrm>
+            <a:off x="909655" y="885546"/>
+            <a:ext cx="10282560" cy="584775"/>
+          </a:xfrm>
+          <a:prstGeom prst="rect">
+            <a:avLst/>
+          </a:prstGeom>
+          <a:noFill/>
+        </p:spPr>
+        <p:txBody>
+          <a:bodyPr wrap="square" rtlCol="0">
+            <a:spAutoFit/>
+          </a:bodyPr>
+          <a:lstStyle/>
+          <a:p>
+            <a:r>
+              <a:rPr lang="en-US" sz="3200" b="1" dirty="0"/>
+              <a:t>01. What does ETS stand for in time series decomposition</a:t>
+            </a:r>
+            <a:endParaRPr lang="en-PH" sz="3200" dirty="0"/>
+          </a:p>
+        </p:txBody>
+      </p:sp>
+      <p:graphicFrame>
+        <p:nvGraphicFramePr>
+          <p:cNvPr id="4" name="Table 3">
+            <a:extLst>
+              <a:ext uri="{FF2B5EF4-FFF2-40B4-BE49-F238E27FC236}">
+                <a16:creationId xmlns:a16="http://schemas.microsoft.com/office/drawing/2014/main" id="{27CC8540-1453-0C17-3D4F-3566E3483778}"/>
+              </a:ext>
+            </a:extLst>
+          </p:cNvPr>
+          <p:cNvGraphicFramePr>
+            <a:graphicFrameLocks noGrp="1"/>
+          </p:cNvGraphicFramePr>
+          <p:nvPr>
+            <p:extLst>
+              <p:ext uri="{D42A27DB-BD31-4B8C-83A1-F6EECF244321}">
+                <p14:modId xmlns:p14="http://schemas.microsoft.com/office/powerpoint/2010/main" val="1692053814"/>
+              </p:ext>
+            </p:extLst>
+          </p:nvPr>
+        </p:nvGraphicFramePr>
+        <p:xfrm>
+          <a:off x="983203" y="2468794"/>
+          <a:ext cx="10135464" cy="2153513"/>
+        </p:xfrm>
+        <a:graphic>
+          <a:graphicData uri="http://schemas.openxmlformats.org/drawingml/2006/table">
+            <a:tbl>
+              <a:tblPr firstRow="1" bandRow="1">
+                <a:tableStyleId>{5940675A-B579-460E-94D1-54222C63F5DA}</a:tableStyleId>
+              </a:tblPr>
+              <a:tblGrid>
+                <a:gridCol w="10135464">
+                  <a:extLst>
+                    <a:ext uri="{9D8B030D-6E8A-4147-A177-3AD203B41FA5}">
+                      <a16:colId xmlns:a16="http://schemas.microsoft.com/office/drawing/2014/main" val="347220614"/>
+                    </a:ext>
+                  </a:extLst>
+                </a:gridCol>
+              </a:tblGrid>
+              <a:tr h="417278">
+                <a:tc>
+                  <a:txBody>
+                    <a:bodyPr/>
+                    <a:lstStyle/>
+                    <a:p>
+                      <a:r>
+                        <a:rPr lang="en-US" sz="2800" b="1" dirty="0"/>
+                        <a:t>A</a:t>
+                      </a:r>
+                      <a:r>
+                        <a:rPr lang="en-US" sz="2800" dirty="0"/>
+                        <a:t>. Exponential Time Series</a:t>
+                      </a:r>
+                      <a:endParaRPr lang="en-PH" sz="2800" dirty="0"/>
+                    </a:p>
+                  </a:txBody>
+                  <a:tcPr/>
+                </a:tc>
+                <a:extLst>
+                  <a:ext uri="{0D108BD9-81ED-4DB2-BD59-A6C34878D82A}">
+                    <a16:rowId xmlns:a16="http://schemas.microsoft.com/office/drawing/2014/main" val="3090890639"/>
+                  </a:ext>
+                </a:extLst>
+              </a:tr>
+              <a:tr h="599033">
+                <a:tc>
+                  <a:txBody>
+                    <a:bodyPr/>
+                    <a:lstStyle/>
+                    <a:p>
+                      <a:r>
+                        <a:rPr lang="en-US" sz="2800" b="1" dirty="0"/>
+                        <a:t>B</a:t>
+                      </a:r>
+                      <a:r>
+                        <a:rPr lang="en-US" sz="2800" dirty="0"/>
+                        <a:t>. Error Trend Seasonality</a:t>
+                      </a:r>
+                    </a:p>
+                  </a:txBody>
+                  <a:tcPr>
+                    <a:solidFill>
+                      <a:srgbClr val="FFFF00"/>
+                    </a:solidFill>
+                  </a:tcPr>
+                </a:tc>
+                <a:extLst>
+                  <a:ext uri="{0D108BD9-81ED-4DB2-BD59-A6C34878D82A}">
+                    <a16:rowId xmlns:a16="http://schemas.microsoft.com/office/drawing/2014/main" val="2340900590"/>
+                  </a:ext>
+                </a:extLst>
+              </a:tr>
+              <a:tr h="508725">
+                <a:tc>
+                  <a:txBody>
+                    <a:bodyPr/>
+                    <a:lstStyle/>
+                    <a:p>
+                      <a:r>
+                        <a:rPr lang="en-US" sz="2800" b="1" dirty="0"/>
+                        <a:t>C</a:t>
+                      </a:r>
+                      <a:r>
+                        <a:rPr lang="en-US" sz="2800" dirty="0"/>
+                        <a:t>. Expert Time Series</a:t>
+                      </a:r>
+                      <a:endParaRPr lang="en-PH" sz="2800" dirty="0"/>
+                    </a:p>
+                  </a:txBody>
+                  <a:tcPr>
+                    <a:solidFill>
+                      <a:schemeClr val="bg1"/>
+                    </a:solidFill>
+                  </a:tcPr>
+                </a:tc>
+                <a:extLst>
+                  <a:ext uri="{0D108BD9-81ED-4DB2-BD59-A6C34878D82A}">
+                    <a16:rowId xmlns:a16="http://schemas.microsoft.com/office/drawing/2014/main" val="3017780003"/>
+                  </a:ext>
+                </a:extLst>
+              </a:tr>
+              <a:tr h="508725">
+                <a:tc>
+                  <a:txBody>
+                    <a:bodyPr/>
+                    <a:lstStyle/>
+                    <a:p>
+                      <a:pPr marL="0" marR="0" lvl="0" indent="0" algn="l" defTabSz="914400" rtl="0" eaLnBrk="1" fontAlgn="auto" latinLnBrk="0" hangingPunct="1">
+                        <a:lnSpc>
+                          <a:spcPct val="100000"/>
+                        </a:lnSpc>
+                        <a:spcBef>
+                          <a:spcPts val="0"/>
+                        </a:spcBef>
+                        <a:spcAft>
+                          <a:spcPts val="0"/>
+                        </a:spcAft>
+                        <a:buClrTx/>
+                        <a:buSzTx/>
+                        <a:buFontTx/>
+                        <a:buNone/>
+                        <a:tabLst/>
+                        <a:defRPr/>
+                      </a:pPr>
+                      <a:r>
+                        <a:rPr lang="en-US" sz="2800" b="1" kern="1200" dirty="0">
+                          <a:solidFill>
+                            <a:schemeClr val="tx1"/>
+                          </a:solidFill>
+                          <a:latin typeface="+mn-lt"/>
+                          <a:ea typeface="+mn-ea"/>
+                          <a:cs typeface="+mn-cs"/>
+                        </a:rPr>
+                        <a:t>D</a:t>
+                      </a:r>
+                      <a:r>
+                        <a:rPr lang="en-US" sz="2800" kern="1200" dirty="0">
+                          <a:solidFill>
+                            <a:schemeClr val="tx1"/>
+                          </a:solidFill>
+                          <a:latin typeface="+mn-lt"/>
+                          <a:ea typeface="+mn-ea"/>
+                          <a:cs typeface="+mn-cs"/>
+                        </a:rPr>
+                        <a:t>. Error Trial Seasonality</a:t>
+                      </a:r>
+                      <a:endParaRPr lang="en-PH" sz="2800" kern="1200" dirty="0">
+                        <a:solidFill>
+                          <a:schemeClr val="tx1"/>
+                        </a:solidFill>
+                        <a:latin typeface="+mn-lt"/>
+                        <a:ea typeface="+mn-ea"/>
+                        <a:cs typeface="+mn-cs"/>
+                      </a:endParaRPr>
+                    </a:p>
+                  </a:txBody>
+                  <a:tcPr/>
+                </a:tc>
+                <a:extLst>
+                  <a:ext uri="{0D108BD9-81ED-4DB2-BD59-A6C34878D82A}">
+                    <a16:rowId xmlns:a16="http://schemas.microsoft.com/office/drawing/2014/main" val="716630035"/>
+                  </a:ext>
+                </a:extLst>
+              </a:tr>
+            </a:tbl>
+          </a:graphicData>
+        </a:graphic>
+      </p:graphicFrame>
+    </p:spTree>
+    <p:extLst>
+      <p:ext uri="{BB962C8B-B14F-4D97-AF65-F5344CB8AC3E}">
+        <p14:creationId xmlns:p14="http://schemas.microsoft.com/office/powerpoint/2010/main" val="2076169563"/>
       </p:ext>
     </p:extLst>
   </p:cSld>
@@ -5164,6 +6693,2147 @@
     <p:extLst>
       <p:ext uri="{BB962C8B-B14F-4D97-AF65-F5344CB8AC3E}">
         <p14:creationId xmlns:p14="http://schemas.microsoft.com/office/powerpoint/2010/main" val="2400911582"/>
+      </p:ext>
+    </p:extLst>
+  </p:cSld>
+  <p:clrMapOvr>
+    <a:masterClrMapping/>
+  </p:clrMapOvr>
+</p:sld>
+</file>
+
+<file path=ppt/slides/slide20.xml><?xml version="1.0" encoding="utf-8"?>
+<p:sld xmlns:a="http://schemas.openxmlformats.org/drawingml/2006/main" xmlns:r="http://schemas.openxmlformats.org/officeDocument/2006/relationships" xmlns:p="http://schemas.openxmlformats.org/presentationml/2006/main">
+  <p:cSld>
+    <p:spTree>
+      <p:nvGrpSpPr>
+        <p:cNvPr id="1" name="">
+          <a:extLst>
+            <a:ext uri="{FF2B5EF4-FFF2-40B4-BE49-F238E27FC236}">
+              <a16:creationId xmlns:a16="http://schemas.microsoft.com/office/drawing/2014/main" id="{800CD48F-AB01-D5FD-D011-61A98A68B971}"/>
+            </a:ext>
+          </a:extLst>
+        </p:cNvPr>
+        <p:cNvGrpSpPr/>
+        <p:nvPr/>
+      </p:nvGrpSpPr>
+      <p:grpSpPr>
+        <a:xfrm>
+          <a:off x="0" y="0"/>
+          <a:ext cx="0" cy="0"/>
+          <a:chOff x="0" y="0"/>
+          <a:chExt cx="0" cy="0"/>
+        </a:xfrm>
+      </p:grpSpPr>
+      <p:sp>
+        <p:nvSpPr>
+          <p:cNvPr id="2" name="TextBox 1">
+            <a:extLst>
+              <a:ext uri="{FF2B5EF4-FFF2-40B4-BE49-F238E27FC236}">
+                <a16:creationId xmlns:a16="http://schemas.microsoft.com/office/drawing/2014/main" id="{E7BCA91F-C3B0-8556-397E-B51A4003D365}"/>
+              </a:ext>
+            </a:extLst>
+          </p:cNvPr>
+          <p:cNvSpPr txBox="1"/>
+          <p:nvPr/>
+        </p:nvSpPr>
+        <p:spPr>
+          <a:xfrm>
+            <a:off x="909655" y="885546"/>
+            <a:ext cx="10282560" cy="584775"/>
+          </a:xfrm>
+          <a:prstGeom prst="rect">
+            <a:avLst/>
+          </a:prstGeom>
+          <a:noFill/>
+        </p:spPr>
+        <p:txBody>
+          <a:bodyPr wrap="square" rtlCol="0">
+            <a:spAutoFit/>
+          </a:bodyPr>
+          <a:lstStyle/>
+          <a:p>
+            <a:r>
+              <a:rPr lang="en-US" sz="3200" b="1" dirty="0"/>
+              <a:t>02. A time series has the following except?</a:t>
+            </a:r>
+            <a:endParaRPr lang="en-PH" sz="3200" dirty="0"/>
+          </a:p>
+        </p:txBody>
+      </p:sp>
+      <p:graphicFrame>
+        <p:nvGraphicFramePr>
+          <p:cNvPr id="4" name="Table 3">
+            <a:extLst>
+              <a:ext uri="{FF2B5EF4-FFF2-40B4-BE49-F238E27FC236}">
+                <a16:creationId xmlns:a16="http://schemas.microsoft.com/office/drawing/2014/main" id="{5BE0698F-06B9-61BD-B46D-F0CB188517A1}"/>
+              </a:ext>
+            </a:extLst>
+          </p:cNvPr>
+          <p:cNvGraphicFramePr>
+            <a:graphicFrameLocks noGrp="1"/>
+          </p:cNvGraphicFramePr>
+          <p:nvPr>
+            <p:extLst>
+              <p:ext uri="{D42A27DB-BD31-4B8C-83A1-F6EECF244321}">
+                <p14:modId xmlns:p14="http://schemas.microsoft.com/office/powerpoint/2010/main" val="4105685793"/>
+              </p:ext>
+            </p:extLst>
+          </p:nvPr>
+        </p:nvGraphicFramePr>
+        <p:xfrm>
+          <a:off x="983203" y="2468794"/>
+          <a:ext cx="10135464" cy="2153513"/>
+        </p:xfrm>
+        <a:graphic>
+          <a:graphicData uri="http://schemas.openxmlformats.org/drawingml/2006/table">
+            <a:tbl>
+              <a:tblPr firstRow="1" bandRow="1">
+                <a:tableStyleId>{5940675A-B579-460E-94D1-54222C63F5DA}</a:tableStyleId>
+              </a:tblPr>
+              <a:tblGrid>
+                <a:gridCol w="10135464">
+                  <a:extLst>
+                    <a:ext uri="{9D8B030D-6E8A-4147-A177-3AD203B41FA5}">
+                      <a16:colId xmlns:a16="http://schemas.microsoft.com/office/drawing/2014/main" val="347220614"/>
+                    </a:ext>
+                  </a:extLst>
+                </a:gridCol>
+              </a:tblGrid>
+              <a:tr h="417278">
+                <a:tc>
+                  <a:txBody>
+                    <a:bodyPr/>
+                    <a:lstStyle/>
+                    <a:p>
+                      <a:r>
+                        <a:rPr lang="en-US" sz="2800" b="1" dirty="0"/>
+                        <a:t>A</a:t>
+                      </a:r>
+                      <a:r>
+                        <a:rPr lang="en-US" sz="2800" dirty="0"/>
+                        <a:t>. Trend</a:t>
+                      </a:r>
+                      <a:endParaRPr lang="en-PH" sz="2800" dirty="0"/>
+                    </a:p>
+                  </a:txBody>
+                  <a:tcPr/>
+                </a:tc>
+                <a:extLst>
+                  <a:ext uri="{0D108BD9-81ED-4DB2-BD59-A6C34878D82A}">
+                    <a16:rowId xmlns:a16="http://schemas.microsoft.com/office/drawing/2014/main" val="3090890639"/>
+                  </a:ext>
+                </a:extLst>
+              </a:tr>
+              <a:tr h="599033">
+                <a:tc>
+                  <a:txBody>
+                    <a:bodyPr/>
+                    <a:lstStyle/>
+                    <a:p>
+                      <a:r>
+                        <a:rPr lang="en-US" sz="2800" b="1" dirty="0"/>
+                        <a:t>B</a:t>
+                      </a:r>
+                      <a:r>
+                        <a:rPr lang="en-US" sz="2800" dirty="0"/>
+                        <a:t>. Inflation</a:t>
+                      </a:r>
+                    </a:p>
+                  </a:txBody>
+                  <a:tcPr/>
+                </a:tc>
+                <a:extLst>
+                  <a:ext uri="{0D108BD9-81ED-4DB2-BD59-A6C34878D82A}">
+                    <a16:rowId xmlns:a16="http://schemas.microsoft.com/office/drawing/2014/main" val="2340900590"/>
+                  </a:ext>
+                </a:extLst>
+              </a:tr>
+              <a:tr h="508725">
+                <a:tc>
+                  <a:txBody>
+                    <a:bodyPr/>
+                    <a:lstStyle/>
+                    <a:p>
+                      <a:r>
+                        <a:rPr lang="en-US" sz="2800" b="1" dirty="0"/>
+                        <a:t>C</a:t>
+                      </a:r>
+                      <a:r>
+                        <a:rPr lang="en-US" sz="2800" dirty="0"/>
+                        <a:t>. Seasonality</a:t>
+                      </a:r>
+                      <a:endParaRPr lang="en-PH" sz="2800" dirty="0"/>
+                    </a:p>
+                  </a:txBody>
+                  <a:tcPr>
+                    <a:solidFill>
+                      <a:schemeClr val="bg1"/>
+                    </a:solidFill>
+                  </a:tcPr>
+                </a:tc>
+                <a:extLst>
+                  <a:ext uri="{0D108BD9-81ED-4DB2-BD59-A6C34878D82A}">
+                    <a16:rowId xmlns:a16="http://schemas.microsoft.com/office/drawing/2014/main" val="3017780003"/>
+                  </a:ext>
+                </a:extLst>
+              </a:tr>
+              <a:tr h="508725">
+                <a:tc>
+                  <a:txBody>
+                    <a:bodyPr/>
+                    <a:lstStyle/>
+                    <a:p>
+                      <a:pPr marL="0" marR="0" lvl="0" indent="0" algn="l" defTabSz="914400" rtl="0" eaLnBrk="1" fontAlgn="auto" latinLnBrk="0" hangingPunct="1">
+                        <a:lnSpc>
+                          <a:spcPct val="100000"/>
+                        </a:lnSpc>
+                        <a:spcBef>
+                          <a:spcPts val="0"/>
+                        </a:spcBef>
+                        <a:spcAft>
+                          <a:spcPts val="0"/>
+                        </a:spcAft>
+                        <a:buClrTx/>
+                        <a:buSzTx/>
+                        <a:buFontTx/>
+                        <a:buNone/>
+                        <a:tabLst/>
+                        <a:defRPr/>
+                      </a:pPr>
+                      <a:r>
+                        <a:rPr lang="en-US" sz="2800" b="1" kern="1200" dirty="0">
+                          <a:solidFill>
+                            <a:schemeClr val="tx1"/>
+                          </a:solidFill>
+                          <a:latin typeface="+mn-lt"/>
+                          <a:ea typeface="+mn-ea"/>
+                          <a:cs typeface="+mn-cs"/>
+                        </a:rPr>
+                        <a:t>D</a:t>
+                      </a:r>
+                      <a:r>
+                        <a:rPr lang="en-US" sz="2800" kern="1200" dirty="0">
+                          <a:solidFill>
+                            <a:schemeClr val="tx1"/>
+                          </a:solidFill>
+                          <a:latin typeface="+mn-lt"/>
+                          <a:ea typeface="+mn-ea"/>
+                          <a:cs typeface="+mn-cs"/>
+                        </a:rPr>
+                        <a:t>. Cycles</a:t>
+                      </a:r>
+                      <a:endParaRPr lang="en-PH" sz="2800" kern="1200" dirty="0">
+                        <a:solidFill>
+                          <a:schemeClr val="tx1"/>
+                        </a:solidFill>
+                        <a:latin typeface="+mn-lt"/>
+                        <a:ea typeface="+mn-ea"/>
+                        <a:cs typeface="+mn-cs"/>
+                      </a:endParaRPr>
+                    </a:p>
+                  </a:txBody>
+                  <a:tcPr/>
+                </a:tc>
+                <a:extLst>
+                  <a:ext uri="{0D108BD9-81ED-4DB2-BD59-A6C34878D82A}">
+                    <a16:rowId xmlns:a16="http://schemas.microsoft.com/office/drawing/2014/main" val="716630035"/>
+                  </a:ext>
+                </a:extLst>
+              </a:tr>
+            </a:tbl>
+          </a:graphicData>
+        </a:graphic>
+      </p:graphicFrame>
+    </p:spTree>
+    <p:extLst>
+      <p:ext uri="{BB962C8B-B14F-4D97-AF65-F5344CB8AC3E}">
+        <p14:creationId xmlns:p14="http://schemas.microsoft.com/office/powerpoint/2010/main" val="4222938891"/>
+      </p:ext>
+    </p:extLst>
+  </p:cSld>
+  <p:clrMapOvr>
+    <a:masterClrMapping/>
+  </p:clrMapOvr>
+</p:sld>
+</file>
+
+<file path=ppt/slides/slide21.xml><?xml version="1.0" encoding="utf-8"?>
+<p:sld xmlns:a="http://schemas.openxmlformats.org/drawingml/2006/main" xmlns:r="http://schemas.openxmlformats.org/officeDocument/2006/relationships" xmlns:p="http://schemas.openxmlformats.org/presentationml/2006/main">
+  <p:cSld>
+    <p:spTree>
+      <p:nvGrpSpPr>
+        <p:cNvPr id="1" name="">
+          <a:extLst>
+            <a:ext uri="{FF2B5EF4-FFF2-40B4-BE49-F238E27FC236}">
+              <a16:creationId xmlns:a16="http://schemas.microsoft.com/office/drawing/2014/main" id="{CE888C57-5CCA-566D-E22B-CF2C2FCC50E9}"/>
+            </a:ext>
+          </a:extLst>
+        </p:cNvPr>
+        <p:cNvGrpSpPr/>
+        <p:nvPr/>
+      </p:nvGrpSpPr>
+      <p:grpSpPr>
+        <a:xfrm>
+          <a:off x="0" y="0"/>
+          <a:ext cx="0" cy="0"/>
+          <a:chOff x="0" y="0"/>
+          <a:chExt cx="0" cy="0"/>
+        </a:xfrm>
+      </p:grpSpPr>
+      <p:sp>
+        <p:nvSpPr>
+          <p:cNvPr id="2" name="TextBox 1">
+            <a:extLst>
+              <a:ext uri="{FF2B5EF4-FFF2-40B4-BE49-F238E27FC236}">
+                <a16:creationId xmlns:a16="http://schemas.microsoft.com/office/drawing/2014/main" id="{4E226B3A-AD8F-C9AB-7E77-1C3041239204}"/>
+              </a:ext>
+            </a:extLst>
+          </p:cNvPr>
+          <p:cNvSpPr txBox="1"/>
+          <p:nvPr/>
+        </p:nvSpPr>
+        <p:spPr>
+          <a:xfrm>
+            <a:off x="909655" y="885546"/>
+            <a:ext cx="10282560" cy="584775"/>
+          </a:xfrm>
+          <a:prstGeom prst="rect">
+            <a:avLst/>
+          </a:prstGeom>
+          <a:noFill/>
+        </p:spPr>
+        <p:txBody>
+          <a:bodyPr wrap="square" rtlCol="0">
+            <a:spAutoFit/>
+          </a:bodyPr>
+          <a:lstStyle/>
+          <a:p>
+            <a:r>
+              <a:rPr lang="en-US" sz="3200" b="1" dirty="0"/>
+              <a:t>02. A time series has the following except?</a:t>
+            </a:r>
+            <a:endParaRPr lang="en-PH" sz="3200" dirty="0"/>
+          </a:p>
+        </p:txBody>
+      </p:sp>
+      <p:graphicFrame>
+        <p:nvGraphicFramePr>
+          <p:cNvPr id="4" name="Table 3">
+            <a:extLst>
+              <a:ext uri="{FF2B5EF4-FFF2-40B4-BE49-F238E27FC236}">
+                <a16:creationId xmlns:a16="http://schemas.microsoft.com/office/drawing/2014/main" id="{76AD26AB-565B-AE47-EC9B-3FBD8B449706}"/>
+              </a:ext>
+            </a:extLst>
+          </p:cNvPr>
+          <p:cNvGraphicFramePr>
+            <a:graphicFrameLocks noGrp="1"/>
+          </p:cNvGraphicFramePr>
+          <p:nvPr>
+            <p:extLst>
+              <p:ext uri="{D42A27DB-BD31-4B8C-83A1-F6EECF244321}">
+                <p14:modId xmlns:p14="http://schemas.microsoft.com/office/powerpoint/2010/main" val="3674260139"/>
+              </p:ext>
+            </p:extLst>
+          </p:nvPr>
+        </p:nvGraphicFramePr>
+        <p:xfrm>
+          <a:off x="983203" y="2468794"/>
+          <a:ext cx="10135464" cy="2153513"/>
+        </p:xfrm>
+        <a:graphic>
+          <a:graphicData uri="http://schemas.openxmlformats.org/drawingml/2006/table">
+            <a:tbl>
+              <a:tblPr firstRow="1" bandRow="1">
+                <a:tableStyleId>{5940675A-B579-460E-94D1-54222C63F5DA}</a:tableStyleId>
+              </a:tblPr>
+              <a:tblGrid>
+                <a:gridCol w="10135464">
+                  <a:extLst>
+                    <a:ext uri="{9D8B030D-6E8A-4147-A177-3AD203B41FA5}">
+                      <a16:colId xmlns:a16="http://schemas.microsoft.com/office/drawing/2014/main" val="347220614"/>
+                    </a:ext>
+                  </a:extLst>
+                </a:gridCol>
+              </a:tblGrid>
+              <a:tr h="417278">
+                <a:tc>
+                  <a:txBody>
+                    <a:bodyPr/>
+                    <a:lstStyle/>
+                    <a:p>
+                      <a:r>
+                        <a:rPr lang="en-US" sz="2800" b="1" dirty="0"/>
+                        <a:t>A</a:t>
+                      </a:r>
+                      <a:r>
+                        <a:rPr lang="en-US" sz="2800" dirty="0"/>
+                        <a:t>. Trend</a:t>
+                      </a:r>
+                      <a:endParaRPr lang="en-PH" sz="2800" dirty="0"/>
+                    </a:p>
+                  </a:txBody>
+                  <a:tcPr/>
+                </a:tc>
+                <a:extLst>
+                  <a:ext uri="{0D108BD9-81ED-4DB2-BD59-A6C34878D82A}">
+                    <a16:rowId xmlns:a16="http://schemas.microsoft.com/office/drawing/2014/main" val="3090890639"/>
+                  </a:ext>
+                </a:extLst>
+              </a:tr>
+              <a:tr h="599033">
+                <a:tc>
+                  <a:txBody>
+                    <a:bodyPr/>
+                    <a:lstStyle/>
+                    <a:p>
+                      <a:r>
+                        <a:rPr lang="en-US" sz="2800" b="1" dirty="0"/>
+                        <a:t>B</a:t>
+                      </a:r>
+                      <a:r>
+                        <a:rPr lang="en-US" sz="2800" dirty="0"/>
+                        <a:t>. Inflation</a:t>
+                      </a:r>
+                    </a:p>
+                  </a:txBody>
+                  <a:tcPr>
+                    <a:solidFill>
+                      <a:srgbClr val="FFFF00"/>
+                    </a:solidFill>
+                  </a:tcPr>
+                </a:tc>
+                <a:extLst>
+                  <a:ext uri="{0D108BD9-81ED-4DB2-BD59-A6C34878D82A}">
+                    <a16:rowId xmlns:a16="http://schemas.microsoft.com/office/drawing/2014/main" val="2340900590"/>
+                  </a:ext>
+                </a:extLst>
+              </a:tr>
+              <a:tr h="508725">
+                <a:tc>
+                  <a:txBody>
+                    <a:bodyPr/>
+                    <a:lstStyle/>
+                    <a:p>
+                      <a:r>
+                        <a:rPr lang="en-US" sz="2800" b="1" dirty="0"/>
+                        <a:t>C</a:t>
+                      </a:r>
+                      <a:r>
+                        <a:rPr lang="en-US" sz="2800" dirty="0"/>
+                        <a:t>. Seasonality</a:t>
+                      </a:r>
+                      <a:endParaRPr lang="en-PH" sz="2800" dirty="0"/>
+                    </a:p>
+                  </a:txBody>
+                  <a:tcPr>
+                    <a:solidFill>
+                      <a:schemeClr val="bg1"/>
+                    </a:solidFill>
+                  </a:tcPr>
+                </a:tc>
+                <a:extLst>
+                  <a:ext uri="{0D108BD9-81ED-4DB2-BD59-A6C34878D82A}">
+                    <a16:rowId xmlns:a16="http://schemas.microsoft.com/office/drawing/2014/main" val="3017780003"/>
+                  </a:ext>
+                </a:extLst>
+              </a:tr>
+              <a:tr h="508725">
+                <a:tc>
+                  <a:txBody>
+                    <a:bodyPr/>
+                    <a:lstStyle/>
+                    <a:p>
+                      <a:pPr marL="0" marR="0" lvl="0" indent="0" algn="l" defTabSz="914400" rtl="0" eaLnBrk="1" fontAlgn="auto" latinLnBrk="0" hangingPunct="1">
+                        <a:lnSpc>
+                          <a:spcPct val="100000"/>
+                        </a:lnSpc>
+                        <a:spcBef>
+                          <a:spcPts val="0"/>
+                        </a:spcBef>
+                        <a:spcAft>
+                          <a:spcPts val="0"/>
+                        </a:spcAft>
+                        <a:buClrTx/>
+                        <a:buSzTx/>
+                        <a:buFontTx/>
+                        <a:buNone/>
+                        <a:tabLst/>
+                        <a:defRPr/>
+                      </a:pPr>
+                      <a:r>
+                        <a:rPr lang="en-US" sz="2800" b="1" kern="1200" dirty="0">
+                          <a:solidFill>
+                            <a:schemeClr val="tx1"/>
+                          </a:solidFill>
+                          <a:latin typeface="+mn-lt"/>
+                          <a:ea typeface="+mn-ea"/>
+                          <a:cs typeface="+mn-cs"/>
+                        </a:rPr>
+                        <a:t>D</a:t>
+                      </a:r>
+                      <a:r>
+                        <a:rPr lang="en-US" sz="2800" kern="1200" dirty="0">
+                          <a:solidFill>
+                            <a:schemeClr val="tx1"/>
+                          </a:solidFill>
+                          <a:latin typeface="+mn-lt"/>
+                          <a:ea typeface="+mn-ea"/>
+                          <a:cs typeface="+mn-cs"/>
+                        </a:rPr>
+                        <a:t>. Cycles</a:t>
+                      </a:r>
+                      <a:endParaRPr lang="en-PH" sz="2800" kern="1200" dirty="0">
+                        <a:solidFill>
+                          <a:schemeClr val="tx1"/>
+                        </a:solidFill>
+                        <a:latin typeface="+mn-lt"/>
+                        <a:ea typeface="+mn-ea"/>
+                        <a:cs typeface="+mn-cs"/>
+                      </a:endParaRPr>
+                    </a:p>
+                  </a:txBody>
+                  <a:tcPr/>
+                </a:tc>
+                <a:extLst>
+                  <a:ext uri="{0D108BD9-81ED-4DB2-BD59-A6C34878D82A}">
+                    <a16:rowId xmlns:a16="http://schemas.microsoft.com/office/drawing/2014/main" val="716630035"/>
+                  </a:ext>
+                </a:extLst>
+              </a:tr>
+            </a:tbl>
+          </a:graphicData>
+        </a:graphic>
+      </p:graphicFrame>
+    </p:spTree>
+    <p:extLst>
+      <p:ext uri="{BB962C8B-B14F-4D97-AF65-F5344CB8AC3E}">
+        <p14:creationId xmlns:p14="http://schemas.microsoft.com/office/powerpoint/2010/main" val="2575647073"/>
+      </p:ext>
+    </p:extLst>
+  </p:cSld>
+  <p:clrMapOvr>
+    <a:masterClrMapping/>
+  </p:clrMapOvr>
+</p:sld>
+</file>
+
+<file path=ppt/slides/slide22.xml><?xml version="1.0" encoding="utf-8"?>
+<p:sld xmlns:a="http://schemas.openxmlformats.org/drawingml/2006/main" xmlns:r="http://schemas.openxmlformats.org/officeDocument/2006/relationships" xmlns:p="http://schemas.openxmlformats.org/presentationml/2006/main">
+  <p:cSld>
+    <p:spTree>
+      <p:nvGrpSpPr>
+        <p:cNvPr id="1" name="">
+          <a:extLst>
+            <a:ext uri="{FF2B5EF4-FFF2-40B4-BE49-F238E27FC236}">
+              <a16:creationId xmlns:a16="http://schemas.microsoft.com/office/drawing/2014/main" id="{09A51431-2621-69C0-7237-543ED06D7B8B}"/>
+            </a:ext>
+          </a:extLst>
+        </p:cNvPr>
+        <p:cNvGrpSpPr/>
+        <p:nvPr/>
+      </p:nvGrpSpPr>
+      <p:grpSpPr>
+        <a:xfrm>
+          <a:off x="0" y="0"/>
+          <a:ext cx="0" cy="0"/>
+          <a:chOff x="0" y="0"/>
+          <a:chExt cx="0" cy="0"/>
+        </a:xfrm>
+      </p:grpSpPr>
+      <p:sp>
+        <p:nvSpPr>
+          <p:cNvPr id="2" name="TextBox 1">
+            <a:extLst>
+              <a:ext uri="{FF2B5EF4-FFF2-40B4-BE49-F238E27FC236}">
+                <a16:creationId xmlns:a16="http://schemas.microsoft.com/office/drawing/2014/main" id="{40C82616-2623-63BC-8642-E843C1306053}"/>
+              </a:ext>
+            </a:extLst>
+          </p:cNvPr>
+          <p:cNvSpPr txBox="1"/>
+          <p:nvPr/>
+        </p:nvSpPr>
+        <p:spPr>
+          <a:xfrm>
+            <a:off x="909655" y="885546"/>
+            <a:ext cx="10282560" cy="584775"/>
+          </a:xfrm>
+          <a:prstGeom prst="rect">
+            <a:avLst/>
+          </a:prstGeom>
+          <a:noFill/>
+        </p:spPr>
+        <p:txBody>
+          <a:bodyPr wrap="square" rtlCol="0">
+            <a:spAutoFit/>
+          </a:bodyPr>
+          <a:lstStyle/>
+          <a:p>
+            <a:r>
+              <a:rPr lang="en-US" sz="3200" b="1" dirty="0"/>
+              <a:t>03. How does seasonality differ from cyclical patterns?</a:t>
+            </a:r>
+            <a:endParaRPr lang="en-PH" sz="3200" dirty="0"/>
+          </a:p>
+        </p:txBody>
+      </p:sp>
+      <p:graphicFrame>
+        <p:nvGraphicFramePr>
+          <p:cNvPr id="4" name="Table 3">
+            <a:extLst>
+              <a:ext uri="{FF2B5EF4-FFF2-40B4-BE49-F238E27FC236}">
+                <a16:creationId xmlns:a16="http://schemas.microsoft.com/office/drawing/2014/main" id="{ABD4AFF2-4D3E-E54E-5709-1AD0549E1AFD}"/>
+              </a:ext>
+            </a:extLst>
+          </p:cNvPr>
+          <p:cNvGraphicFramePr>
+            <a:graphicFrameLocks noGrp="1"/>
+          </p:cNvGraphicFramePr>
+          <p:nvPr>
+            <p:extLst>
+              <p:ext uri="{D42A27DB-BD31-4B8C-83A1-F6EECF244321}">
+                <p14:modId xmlns:p14="http://schemas.microsoft.com/office/powerpoint/2010/main" val="2554912875"/>
+              </p:ext>
+            </p:extLst>
+          </p:nvPr>
+        </p:nvGraphicFramePr>
+        <p:xfrm>
+          <a:off x="983203" y="2468794"/>
+          <a:ext cx="10135464" cy="2153513"/>
+        </p:xfrm>
+        <a:graphic>
+          <a:graphicData uri="http://schemas.openxmlformats.org/drawingml/2006/table">
+            <a:tbl>
+              <a:tblPr firstRow="1" bandRow="1">
+                <a:tableStyleId>{5940675A-B579-460E-94D1-54222C63F5DA}</a:tableStyleId>
+              </a:tblPr>
+              <a:tblGrid>
+                <a:gridCol w="10135464">
+                  <a:extLst>
+                    <a:ext uri="{9D8B030D-6E8A-4147-A177-3AD203B41FA5}">
+                      <a16:colId xmlns:a16="http://schemas.microsoft.com/office/drawing/2014/main" val="347220614"/>
+                    </a:ext>
+                  </a:extLst>
+                </a:gridCol>
+              </a:tblGrid>
+              <a:tr h="417278">
+                <a:tc>
+                  <a:txBody>
+                    <a:bodyPr/>
+                    <a:lstStyle/>
+                    <a:p>
+                      <a:r>
+                        <a:rPr lang="en-US" sz="2800" b="1" dirty="0"/>
+                        <a:t>A</a:t>
+                      </a:r>
+                      <a:r>
+                        <a:rPr lang="en-US" sz="2800" dirty="0"/>
+                        <a:t>. Seasonality is irregular, cyclic behavior is periodic</a:t>
+                      </a:r>
+                      <a:endParaRPr lang="en-PH" sz="2800" dirty="0"/>
+                    </a:p>
+                  </a:txBody>
+                  <a:tcPr/>
+                </a:tc>
+                <a:extLst>
+                  <a:ext uri="{0D108BD9-81ED-4DB2-BD59-A6C34878D82A}">
+                    <a16:rowId xmlns:a16="http://schemas.microsoft.com/office/drawing/2014/main" val="3090890639"/>
+                  </a:ext>
+                </a:extLst>
+              </a:tr>
+              <a:tr h="599033">
+                <a:tc>
+                  <a:txBody>
+                    <a:bodyPr/>
+                    <a:lstStyle/>
+                    <a:p>
+                      <a:r>
+                        <a:rPr lang="en-US" sz="2800" b="1" dirty="0"/>
+                        <a:t>B</a:t>
+                      </a:r>
+                      <a:r>
+                        <a:rPr lang="en-US" sz="2800" dirty="0"/>
+                        <a:t>. Seasonality involves consistent period, cyclic behavior does not</a:t>
+                      </a:r>
+                    </a:p>
+                  </a:txBody>
+                  <a:tcPr/>
+                </a:tc>
+                <a:extLst>
+                  <a:ext uri="{0D108BD9-81ED-4DB2-BD59-A6C34878D82A}">
+                    <a16:rowId xmlns:a16="http://schemas.microsoft.com/office/drawing/2014/main" val="2340900590"/>
+                  </a:ext>
+                </a:extLst>
+              </a:tr>
+              <a:tr h="508725">
+                <a:tc>
+                  <a:txBody>
+                    <a:bodyPr/>
+                    <a:lstStyle/>
+                    <a:p>
+                      <a:r>
+                        <a:rPr lang="en-US" sz="2800" b="1" dirty="0"/>
+                        <a:t>C</a:t>
+                      </a:r>
+                      <a:r>
+                        <a:rPr lang="en-US" sz="2800" dirty="0"/>
+                        <a:t>. Seasonality is driven by static factors, cycles are driven by changes</a:t>
+                      </a:r>
+                      <a:endParaRPr lang="en-PH" sz="2800" dirty="0"/>
+                    </a:p>
+                  </a:txBody>
+                  <a:tcPr>
+                    <a:solidFill>
+                      <a:schemeClr val="bg1"/>
+                    </a:solidFill>
+                  </a:tcPr>
+                </a:tc>
+                <a:extLst>
+                  <a:ext uri="{0D108BD9-81ED-4DB2-BD59-A6C34878D82A}">
+                    <a16:rowId xmlns:a16="http://schemas.microsoft.com/office/drawing/2014/main" val="3017780003"/>
+                  </a:ext>
+                </a:extLst>
+              </a:tr>
+              <a:tr h="508725">
+                <a:tc>
+                  <a:txBody>
+                    <a:bodyPr/>
+                    <a:lstStyle/>
+                    <a:p>
+                      <a:pPr marL="0" marR="0" lvl="0" indent="0" algn="l" defTabSz="914400" rtl="0" eaLnBrk="1" fontAlgn="auto" latinLnBrk="0" hangingPunct="1">
+                        <a:lnSpc>
+                          <a:spcPct val="100000"/>
+                        </a:lnSpc>
+                        <a:spcBef>
+                          <a:spcPts val="0"/>
+                        </a:spcBef>
+                        <a:spcAft>
+                          <a:spcPts val="0"/>
+                        </a:spcAft>
+                        <a:buClrTx/>
+                        <a:buSzTx/>
+                        <a:buFontTx/>
+                        <a:buNone/>
+                        <a:tabLst/>
+                        <a:defRPr/>
+                      </a:pPr>
+                      <a:r>
+                        <a:rPr lang="en-US" sz="2800" b="1" kern="1200" dirty="0">
+                          <a:solidFill>
+                            <a:schemeClr val="tx1"/>
+                          </a:solidFill>
+                          <a:latin typeface="+mn-lt"/>
+                          <a:ea typeface="+mn-ea"/>
+                          <a:cs typeface="+mn-cs"/>
+                        </a:rPr>
+                        <a:t>D</a:t>
+                      </a:r>
+                      <a:r>
+                        <a:rPr lang="en-US" sz="2800" kern="1200" dirty="0">
+                          <a:solidFill>
+                            <a:schemeClr val="tx1"/>
+                          </a:solidFill>
+                          <a:latin typeface="+mn-lt"/>
+                          <a:ea typeface="+mn-ea"/>
+                          <a:cs typeface="+mn-cs"/>
+                        </a:rPr>
+                        <a:t>. Both are identical; they can be used interchangeably</a:t>
+                      </a:r>
+                      <a:endParaRPr lang="en-PH" sz="2800" kern="1200" dirty="0">
+                        <a:solidFill>
+                          <a:schemeClr val="tx1"/>
+                        </a:solidFill>
+                        <a:latin typeface="+mn-lt"/>
+                        <a:ea typeface="+mn-ea"/>
+                        <a:cs typeface="+mn-cs"/>
+                      </a:endParaRPr>
+                    </a:p>
+                  </a:txBody>
+                  <a:tcPr/>
+                </a:tc>
+                <a:extLst>
+                  <a:ext uri="{0D108BD9-81ED-4DB2-BD59-A6C34878D82A}">
+                    <a16:rowId xmlns:a16="http://schemas.microsoft.com/office/drawing/2014/main" val="716630035"/>
+                  </a:ext>
+                </a:extLst>
+              </a:tr>
+            </a:tbl>
+          </a:graphicData>
+        </a:graphic>
+      </p:graphicFrame>
+    </p:spTree>
+    <p:extLst>
+      <p:ext uri="{BB962C8B-B14F-4D97-AF65-F5344CB8AC3E}">
+        <p14:creationId xmlns:p14="http://schemas.microsoft.com/office/powerpoint/2010/main" val="879732022"/>
+      </p:ext>
+    </p:extLst>
+  </p:cSld>
+  <p:clrMapOvr>
+    <a:masterClrMapping/>
+  </p:clrMapOvr>
+</p:sld>
+</file>
+
+<file path=ppt/slides/slide23.xml><?xml version="1.0" encoding="utf-8"?>
+<p:sld xmlns:a="http://schemas.openxmlformats.org/drawingml/2006/main" xmlns:r="http://schemas.openxmlformats.org/officeDocument/2006/relationships" xmlns:p="http://schemas.openxmlformats.org/presentationml/2006/main">
+  <p:cSld>
+    <p:spTree>
+      <p:nvGrpSpPr>
+        <p:cNvPr id="1" name="">
+          <a:extLst>
+            <a:ext uri="{FF2B5EF4-FFF2-40B4-BE49-F238E27FC236}">
+              <a16:creationId xmlns:a16="http://schemas.microsoft.com/office/drawing/2014/main" id="{10974075-498A-2859-1410-FFC533950840}"/>
+            </a:ext>
+          </a:extLst>
+        </p:cNvPr>
+        <p:cNvGrpSpPr/>
+        <p:nvPr/>
+      </p:nvGrpSpPr>
+      <p:grpSpPr>
+        <a:xfrm>
+          <a:off x="0" y="0"/>
+          <a:ext cx="0" cy="0"/>
+          <a:chOff x="0" y="0"/>
+          <a:chExt cx="0" cy="0"/>
+        </a:xfrm>
+      </p:grpSpPr>
+      <p:sp>
+        <p:nvSpPr>
+          <p:cNvPr id="2" name="TextBox 1">
+            <a:extLst>
+              <a:ext uri="{FF2B5EF4-FFF2-40B4-BE49-F238E27FC236}">
+                <a16:creationId xmlns:a16="http://schemas.microsoft.com/office/drawing/2014/main" id="{8FB267D2-9A3B-40B8-49B6-2DB36AC6803C}"/>
+              </a:ext>
+            </a:extLst>
+          </p:cNvPr>
+          <p:cNvSpPr txBox="1"/>
+          <p:nvPr/>
+        </p:nvSpPr>
+        <p:spPr>
+          <a:xfrm>
+            <a:off x="909655" y="885546"/>
+            <a:ext cx="10282560" cy="584775"/>
+          </a:xfrm>
+          <a:prstGeom prst="rect">
+            <a:avLst/>
+          </a:prstGeom>
+          <a:noFill/>
+        </p:spPr>
+        <p:txBody>
+          <a:bodyPr wrap="square" rtlCol="0">
+            <a:spAutoFit/>
+          </a:bodyPr>
+          <a:lstStyle/>
+          <a:p>
+            <a:r>
+              <a:rPr lang="en-US" sz="3200" b="1" dirty="0"/>
+              <a:t>03. How does seasonality differ from cyclical patterns?</a:t>
+            </a:r>
+            <a:endParaRPr lang="en-PH" sz="3200" dirty="0"/>
+          </a:p>
+        </p:txBody>
+      </p:sp>
+      <p:graphicFrame>
+        <p:nvGraphicFramePr>
+          <p:cNvPr id="4" name="Table 3">
+            <a:extLst>
+              <a:ext uri="{FF2B5EF4-FFF2-40B4-BE49-F238E27FC236}">
+                <a16:creationId xmlns:a16="http://schemas.microsoft.com/office/drawing/2014/main" id="{F0D94EF3-F943-E937-6414-46129AAEAAEA}"/>
+              </a:ext>
+            </a:extLst>
+          </p:cNvPr>
+          <p:cNvGraphicFramePr>
+            <a:graphicFrameLocks noGrp="1"/>
+          </p:cNvGraphicFramePr>
+          <p:nvPr>
+            <p:extLst>
+              <p:ext uri="{D42A27DB-BD31-4B8C-83A1-F6EECF244321}">
+                <p14:modId xmlns:p14="http://schemas.microsoft.com/office/powerpoint/2010/main" val="2827249838"/>
+              </p:ext>
+            </p:extLst>
+          </p:nvPr>
+        </p:nvGraphicFramePr>
+        <p:xfrm>
+          <a:off x="983203" y="2468794"/>
+          <a:ext cx="10135464" cy="2153513"/>
+        </p:xfrm>
+        <a:graphic>
+          <a:graphicData uri="http://schemas.openxmlformats.org/drawingml/2006/table">
+            <a:tbl>
+              <a:tblPr firstRow="1" bandRow="1">
+                <a:tableStyleId>{5940675A-B579-460E-94D1-54222C63F5DA}</a:tableStyleId>
+              </a:tblPr>
+              <a:tblGrid>
+                <a:gridCol w="10135464">
+                  <a:extLst>
+                    <a:ext uri="{9D8B030D-6E8A-4147-A177-3AD203B41FA5}">
+                      <a16:colId xmlns:a16="http://schemas.microsoft.com/office/drawing/2014/main" val="347220614"/>
+                    </a:ext>
+                  </a:extLst>
+                </a:gridCol>
+              </a:tblGrid>
+              <a:tr h="417278">
+                <a:tc>
+                  <a:txBody>
+                    <a:bodyPr/>
+                    <a:lstStyle/>
+                    <a:p>
+                      <a:r>
+                        <a:rPr lang="en-US" sz="2800" b="1" dirty="0"/>
+                        <a:t>A</a:t>
+                      </a:r>
+                      <a:r>
+                        <a:rPr lang="en-US" sz="2800" dirty="0"/>
+                        <a:t>. Seasonality is irregular, cyclic behavior is periodic</a:t>
+                      </a:r>
+                      <a:endParaRPr lang="en-PH" sz="2800" dirty="0"/>
+                    </a:p>
+                  </a:txBody>
+                  <a:tcPr/>
+                </a:tc>
+                <a:extLst>
+                  <a:ext uri="{0D108BD9-81ED-4DB2-BD59-A6C34878D82A}">
+                    <a16:rowId xmlns:a16="http://schemas.microsoft.com/office/drawing/2014/main" val="3090890639"/>
+                  </a:ext>
+                </a:extLst>
+              </a:tr>
+              <a:tr h="599033">
+                <a:tc>
+                  <a:txBody>
+                    <a:bodyPr/>
+                    <a:lstStyle/>
+                    <a:p>
+                      <a:r>
+                        <a:rPr lang="en-US" sz="2800" b="1" dirty="0"/>
+                        <a:t>B</a:t>
+                      </a:r>
+                      <a:r>
+                        <a:rPr lang="en-US" sz="2800" dirty="0"/>
+                        <a:t>. Seasonality involves consistent periods, cyclic behavior does not</a:t>
+                      </a:r>
+                    </a:p>
+                  </a:txBody>
+                  <a:tcPr>
+                    <a:solidFill>
+                      <a:srgbClr val="FFFF00"/>
+                    </a:solidFill>
+                  </a:tcPr>
+                </a:tc>
+                <a:extLst>
+                  <a:ext uri="{0D108BD9-81ED-4DB2-BD59-A6C34878D82A}">
+                    <a16:rowId xmlns:a16="http://schemas.microsoft.com/office/drawing/2014/main" val="2340900590"/>
+                  </a:ext>
+                </a:extLst>
+              </a:tr>
+              <a:tr h="508725">
+                <a:tc>
+                  <a:txBody>
+                    <a:bodyPr/>
+                    <a:lstStyle/>
+                    <a:p>
+                      <a:r>
+                        <a:rPr lang="en-US" sz="2800" b="1" dirty="0"/>
+                        <a:t>C</a:t>
+                      </a:r>
+                      <a:r>
+                        <a:rPr lang="en-US" sz="2800" dirty="0"/>
+                        <a:t>. Seasonality is driven by static factors, cycles are driven by changes</a:t>
+                      </a:r>
+                      <a:endParaRPr lang="en-PH" sz="2800" dirty="0"/>
+                    </a:p>
+                  </a:txBody>
+                  <a:tcPr>
+                    <a:solidFill>
+                      <a:schemeClr val="bg1"/>
+                    </a:solidFill>
+                  </a:tcPr>
+                </a:tc>
+                <a:extLst>
+                  <a:ext uri="{0D108BD9-81ED-4DB2-BD59-A6C34878D82A}">
+                    <a16:rowId xmlns:a16="http://schemas.microsoft.com/office/drawing/2014/main" val="3017780003"/>
+                  </a:ext>
+                </a:extLst>
+              </a:tr>
+              <a:tr h="508725">
+                <a:tc>
+                  <a:txBody>
+                    <a:bodyPr/>
+                    <a:lstStyle/>
+                    <a:p>
+                      <a:pPr marL="0" marR="0" lvl="0" indent="0" algn="l" defTabSz="914400" rtl="0" eaLnBrk="1" fontAlgn="auto" latinLnBrk="0" hangingPunct="1">
+                        <a:lnSpc>
+                          <a:spcPct val="100000"/>
+                        </a:lnSpc>
+                        <a:spcBef>
+                          <a:spcPts val="0"/>
+                        </a:spcBef>
+                        <a:spcAft>
+                          <a:spcPts val="0"/>
+                        </a:spcAft>
+                        <a:buClrTx/>
+                        <a:buSzTx/>
+                        <a:buFontTx/>
+                        <a:buNone/>
+                        <a:tabLst/>
+                        <a:defRPr/>
+                      </a:pPr>
+                      <a:r>
+                        <a:rPr lang="en-US" sz="2800" b="1" kern="1200" dirty="0">
+                          <a:solidFill>
+                            <a:schemeClr val="tx1"/>
+                          </a:solidFill>
+                          <a:latin typeface="+mn-lt"/>
+                          <a:ea typeface="+mn-ea"/>
+                          <a:cs typeface="+mn-cs"/>
+                        </a:rPr>
+                        <a:t>D</a:t>
+                      </a:r>
+                      <a:r>
+                        <a:rPr lang="en-US" sz="2800" kern="1200" dirty="0">
+                          <a:solidFill>
+                            <a:schemeClr val="tx1"/>
+                          </a:solidFill>
+                          <a:latin typeface="+mn-lt"/>
+                          <a:ea typeface="+mn-ea"/>
+                          <a:cs typeface="+mn-cs"/>
+                        </a:rPr>
+                        <a:t>. Both are identical; they can be used interchangeably</a:t>
+                      </a:r>
+                      <a:endParaRPr lang="en-PH" sz="2800" kern="1200" dirty="0">
+                        <a:solidFill>
+                          <a:schemeClr val="tx1"/>
+                        </a:solidFill>
+                        <a:latin typeface="+mn-lt"/>
+                        <a:ea typeface="+mn-ea"/>
+                        <a:cs typeface="+mn-cs"/>
+                      </a:endParaRPr>
+                    </a:p>
+                  </a:txBody>
+                  <a:tcPr/>
+                </a:tc>
+                <a:extLst>
+                  <a:ext uri="{0D108BD9-81ED-4DB2-BD59-A6C34878D82A}">
+                    <a16:rowId xmlns:a16="http://schemas.microsoft.com/office/drawing/2014/main" val="716630035"/>
+                  </a:ext>
+                </a:extLst>
+              </a:tr>
+            </a:tbl>
+          </a:graphicData>
+        </a:graphic>
+      </p:graphicFrame>
+    </p:spTree>
+    <p:extLst>
+      <p:ext uri="{BB962C8B-B14F-4D97-AF65-F5344CB8AC3E}">
+        <p14:creationId xmlns:p14="http://schemas.microsoft.com/office/powerpoint/2010/main" val="2807208176"/>
+      </p:ext>
+    </p:extLst>
+  </p:cSld>
+  <p:clrMapOvr>
+    <a:masterClrMapping/>
+  </p:clrMapOvr>
+</p:sld>
+</file>
+
+<file path=ppt/slides/slide24.xml><?xml version="1.0" encoding="utf-8"?>
+<p:sld xmlns:a="http://schemas.openxmlformats.org/drawingml/2006/main" xmlns:r="http://schemas.openxmlformats.org/officeDocument/2006/relationships" xmlns:p="http://schemas.openxmlformats.org/presentationml/2006/main">
+  <p:cSld>
+    <p:spTree>
+      <p:nvGrpSpPr>
+        <p:cNvPr id="1" name="">
+          <a:extLst>
+            <a:ext uri="{FF2B5EF4-FFF2-40B4-BE49-F238E27FC236}">
+              <a16:creationId xmlns:a16="http://schemas.microsoft.com/office/drawing/2014/main" id="{13FB9869-FCEC-E24C-8DA3-29C292C8792D}"/>
+            </a:ext>
+          </a:extLst>
+        </p:cNvPr>
+        <p:cNvGrpSpPr/>
+        <p:nvPr/>
+      </p:nvGrpSpPr>
+      <p:grpSpPr>
+        <a:xfrm>
+          <a:off x="0" y="0"/>
+          <a:ext cx="0" cy="0"/>
+          <a:chOff x="0" y="0"/>
+          <a:chExt cx="0" cy="0"/>
+        </a:xfrm>
+      </p:grpSpPr>
+      <p:sp>
+        <p:nvSpPr>
+          <p:cNvPr id="2" name="TextBox 1">
+            <a:extLst>
+              <a:ext uri="{FF2B5EF4-FFF2-40B4-BE49-F238E27FC236}">
+                <a16:creationId xmlns:a16="http://schemas.microsoft.com/office/drawing/2014/main" id="{F544B058-4EB1-5002-A4B7-8CBF9BC7C2DB}"/>
+              </a:ext>
+            </a:extLst>
+          </p:cNvPr>
+          <p:cNvSpPr txBox="1"/>
+          <p:nvPr/>
+        </p:nvSpPr>
+        <p:spPr>
+          <a:xfrm>
+            <a:off x="909655" y="885546"/>
+            <a:ext cx="10282560" cy="1077218"/>
+          </a:xfrm>
+          <a:prstGeom prst="rect">
+            <a:avLst/>
+          </a:prstGeom>
+          <a:noFill/>
+        </p:spPr>
+        <p:txBody>
+          <a:bodyPr wrap="square" rtlCol="0">
+            <a:spAutoFit/>
+          </a:bodyPr>
+          <a:lstStyle/>
+          <a:p>
+            <a:r>
+              <a:rPr lang="en-US" sz="3200" b="1" dirty="0"/>
+              <a:t>04. In an additive model, what happens to seasonal amplitude when underlying level increases?</a:t>
+            </a:r>
+            <a:endParaRPr lang="en-PH" sz="3200" dirty="0"/>
+          </a:p>
+        </p:txBody>
+      </p:sp>
+      <p:graphicFrame>
+        <p:nvGraphicFramePr>
+          <p:cNvPr id="4" name="Table 3">
+            <a:extLst>
+              <a:ext uri="{FF2B5EF4-FFF2-40B4-BE49-F238E27FC236}">
+                <a16:creationId xmlns:a16="http://schemas.microsoft.com/office/drawing/2014/main" id="{36D4737D-D780-FDE7-B8A0-4BC796652B0A}"/>
+              </a:ext>
+            </a:extLst>
+          </p:cNvPr>
+          <p:cNvGraphicFramePr>
+            <a:graphicFrameLocks noGrp="1"/>
+          </p:cNvGraphicFramePr>
+          <p:nvPr>
+            <p:extLst>
+              <p:ext uri="{D42A27DB-BD31-4B8C-83A1-F6EECF244321}">
+                <p14:modId xmlns:p14="http://schemas.microsoft.com/office/powerpoint/2010/main" val="746467157"/>
+              </p:ext>
+            </p:extLst>
+          </p:nvPr>
+        </p:nvGraphicFramePr>
+        <p:xfrm>
+          <a:off x="983203" y="2468794"/>
+          <a:ext cx="10135464" cy="2153513"/>
+        </p:xfrm>
+        <a:graphic>
+          <a:graphicData uri="http://schemas.openxmlformats.org/drawingml/2006/table">
+            <a:tbl>
+              <a:tblPr firstRow="1" bandRow="1">
+                <a:tableStyleId>{5940675A-B579-460E-94D1-54222C63F5DA}</a:tableStyleId>
+              </a:tblPr>
+              <a:tblGrid>
+                <a:gridCol w="10135464">
+                  <a:extLst>
+                    <a:ext uri="{9D8B030D-6E8A-4147-A177-3AD203B41FA5}">
+                      <a16:colId xmlns:a16="http://schemas.microsoft.com/office/drawing/2014/main" val="347220614"/>
+                    </a:ext>
+                  </a:extLst>
+                </a:gridCol>
+              </a:tblGrid>
+              <a:tr h="417278">
+                <a:tc>
+                  <a:txBody>
+                    <a:bodyPr/>
+                    <a:lstStyle/>
+                    <a:p>
+                      <a:r>
+                        <a:rPr lang="en-US" sz="2800" b="1" dirty="0"/>
+                        <a:t>A</a:t>
+                      </a:r>
+                      <a:r>
+                        <a:rPr lang="en-US" sz="2800" dirty="0"/>
+                        <a:t>. It increase proportionally</a:t>
+                      </a:r>
+                      <a:endParaRPr lang="en-PH" sz="2800" dirty="0"/>
+                    </a:p>
+                  </a:txBody>
+                  <a:tcPr/>
+                </a:tc>
+                <a:extLst>
+                  <a:ext uri="{0D108BD9-81ED-4DB2-BD59-A6C34878D82A}">
+                    <a16:rowId xmlns:a16="http://schemas.microsoft.com/office/drawing/2014/main" val="3090890639"/>
+                  </a:ext>
+                </a:extLst>
+              </a:tr>
+              <a:tr h="599033">
+                <a:tc>
+                  <a:txBody>
+                    <a:bodyPr/>
+                    <a:lstStyle/>
+                    <a:p>
+                      <a:r>
+                        <a:rPr lang="en-US" sz="2800" b="1" dirty="0"/>
+                        <a:t>B</a:t>
+                      </a:r>
+                      <a:r>
+                        <a:rPr lang="en-US" sz="2800" dirty="0"/>
+                        <a:t>. It remains constant</a:t>
+                      </a:r>
+                    </a:p>
+                  </a:txBody>
+                  <a:tcPr/>
+                </a:tc>
+                <a:extLst>
+                  <a:ext uri="{0D108BD9-81ED-4DB2-BD59-A6C34878D82A}">
+                    <a16:rowId xmlns:a16="http://schemas.microsoft.com/office/drawing/2014/main" val="2340900590"/>
+                  </a:ext>
+                </a:extLst>
+              </a:tr>
+              <a:tr h="508725">
+                <a:tc>
+                  <a:txBody>
+                    <a:bodyPr/>
+                    <a:lstStyle/>
+                    <a:p>
+                      <a:r>
+                        <a:rPr lang="en-US" sz="2800" b="1" dirty="0"/>
+                        <a:t>C</a:t>
+                      </a:r>
+                      <a:r>
+                        <a:rPr lang="en-US" sz="2800" dirty="0"/>
+                        <a:t>. It decreases proportionally</a:t>
+                      </a:r>
+                      <a:endParaRPr lang="en-PH" sz="2800" dirty="0"/>
+                    </a:p>
+                  </a:txBody>
+                  <a:tcPr>
+                    <a:solidFill>
+                      <a:schemeClr val="bg1"/>
+                    </a:solidFill>
+                  </a:tcPr>
+                </a:tc>
+                <a:extLst>
+                  <a:ext uri="{0D108BD9-81ED-4DB2-BD59-A6C34878D82A}">
+                    <a16:rowId xmlns:a16="http://schemas.microsoft.com/office/drawing/2014/main" val="3017780003"/>
+                  </a:ext>
+                </a:extLst>
+              </a:tr>
+              <a:tr h="508725">
+                <a:tc>
+                  <a:txBody>
+                    <a:bodyPr/>
+                    <a:lstStyle/>
+                    <a:p>
+                      <a:pPr marL="0" marR="0" lvl="0" indent="0" algn="l" defTabSz="914400" rtl="0" eaLnBrk="1" fontAlgn="auto" latinLnBrk="0" hangingPunct="1">
+                        <a:lnSpc>
+                          <a:spcPct val="100000"/>
+                        </a:lnSpc>
+                        <a:spcBef>
+                          <a:spcPts val="0"/>
+                        </a:spcBef>
+                        <a:spcAft>
+                          <a:spcPts val="0"/>
+                        </a:spcAft>
+                        <a:buClrTx/>
+                        <a:buSzTx/>
+                        <a:buFontTx/>
+                        <a:buNone/>
+                        <a:tabLst/>
+                        <a:defRPr/>
+                      </a:pPr>
+                      <a:r>
+                        <a:rPr lang="en-US" sz="2800" b="1" kern="1200" dirty="0">
+                          <a:solidFill>
+                            <a:schemeClr val="tx1"/>
+                          </a:solidFill>
+                          <a:latin typeface="+mn-lt"/>
+                          <a:ea typeface="+mn-ea"/>
+                          <a:cs typeface="+mn-cs"/>
+                        </a:rPr>
+                        <a:t>D</a:t>
+                      </a:r>
+                      <a:r>
+                        <a:rPr lang="en-US" sz="2800" kern="1200" dirty="0">
+                          <a:solidFill>
+                            <a:schemeClr val="tx1"/>
+                          </a:solidFill>
+                          <a:latin typeface="+mn-lt"/>
+                          <a:ea typeface="+mn-ea"/>
+                          <a:cs typeface="+mn-cs"/>
+                        </a:rPr>
+                        <a:t>. It become unpredictable</a:t>
+                      </a:r>
+                      <a:endParaRPr lang="en-PH" sz="2800" kern="1200" dirty="0">
+                        <a:solidFill>
+                          <a:schemeClr val="tx1"/>
+                        </a:solidFill>
+                        <a:latin typeface="+mn-lt"/>
+                        <a:ea typeface="+mn-ea"/>
+                        <a:cs typeface="+mn-cs"/>
+                      </a:endParaRPr>
+                    </a:p>
+                  </a:txBody>
+                  <a:tcPr/>
+                </a:tc>
+                <a:extLst>
+                  <a:ext uri="{0D108BD9-81ED-4DB2-BD59-A6C34878D82A}">
+                    <a16:rowId xmlns:a16="http://schemas.microsoft.com/office/drawing/2014/main" val="716630035"/>
+                  </a:ext>
+                </a:extLst>
+              </a:tr>
+            </a:tbl>
+          </a:graphicData>
+        </a:graphic>
+      </p:graphicFrame>
+    </p:spTree>
+    <p:extLst>
+      <p:ext uri="{BB962C8B-B14F-4D97-AF65-F5344CB8AC3E}">
+        <p14:creationId xmlns:p14="http://schemas.microsoft.com/office/powerpoint/2010/main" val="3399505910"/>
+      </p:ext>
+    </p:extLst>
+  </p:cSld>
+  <p:clrMapOvr>
+    <a:masterClrMapping/>
+  </p:clrMapOvr>
+</p:sld>
+</file>
+
+<file path=ppt/slides/slide25.xml><?xml version="1.0" encoding="utf-8"?>
+<p:sld xmlns:a="http://schemas.openxmlformats.org/drawingml/2006/main" xmlns:r="http://schemas.openxmlformats.org/officeDocument/2006/relationships" xmlns:p="http://schemas.openxmlformats.org/presentationml/2006/main">
+  <p:cSld>
+    <p:spTree>
+      <p:nvGrpSpPr>
+        <p:cNvPr id="1" name="">
+          <a:extLst>
+            <a:ext uri="{FF2B5EF4-FFF2-40B4-BE49-F238E27FC236}">
+              <a16:creationId xmlns:a16="http://schemas.microsoft.com/office/drawing/2014/main" id="{7430B565-E244-42FD-2849-72A0E8598E86}"/>
+            </a:ext>
+          </a:extLst>
+        </p:cNvPr>
+        <p:cNvGrpSpPr/>
+        <p:nvPr/>
+      </p:nvGrpSpPr>
+      <p:grpSpPr>
+        <a:xfrm>
+          <a:off x="0" y="0"/>
+          <a:ext cx="0" cy="0"/>
+          <a:chOff x="0" y="0"/>
+          <a:chExt cx="0" cy="0"/>
+        </a:xfrm>
+      </p:grpSpPr>
+      <p:sp>
+        <p:nvSpPr>
+          <p:cNvPr id="2" name="TextBox 1">
+            <a:extLst>
+              <a:ext uri="{FF2B5EF4-FFF2-40B4-BE49-F238E27FC236}">
+                <a16:creationId xmlns:a16="http://schemas.microsoft.com/office/drawing/2014/main" id="{2A33CE93-4B54-EAC9-6FE8-7942837B0252}"/>
+              </a:ext>
+            </a:extLst>
+          </p:cNvPr>
+          <p:cNvSpPr txBox="1"/>
+          <p:nvPr/>
+        </p:nvSpPr>
+        <p:spPr>
+          <a:xfrm>
+            <a:off x="909655" y="885546"/>
+            <a:ext cx="10282560" cy="1077218"/>
+          </a:xfrm>
+          <a:prstGeom prst="rect">
+            <a:avLst/>
+          </a:prstGeom>
+          <a:noFill/>
+        </p:spPr>
+        <p:txBody>
+          <a:bodyPr wrap="square" rtlCol="0">
+            <a:spAutoFit/>
+          </a:bodyPr>
+          <a:lstStyle/>
+          <a:p>
+            <a:r>
+              <a:rPr lang="en-US" sz="3200" b="1" dirty="0"/>
+              <a:t>04. In an additive model, what happens to seasonal amplitude when underlying level increases?</a:t>
+            </a:r>
+            <a:endParaRPr lang="en-PH" sz="3200" dirty="0"/>
+          </a:p>
+        </p:txBody>
+      </p:sp>
+      <p:graphicFrame>
+        <p:nvGraphicFramePr>
+          <p:cNvPr id="4" name="Table 3">
+            <a:extLst>
+              <a:ext uri="{FF2B5EF4-FFF2-40B4-BE49-F238E27FC236}">
+                <a16:creationId xmlns:a16="http://schemas.microsoft.com/office/drawing/2014/main" id="{4A3B8CB8-2A44-0109-FA82-0D5E5191CFB5}"/>
+              </a:ext>
+            </a:extLst>
+          </p:cNvPr>
+          <p:cNvGraphicFramePr>
+            <a:graphicFrameLocks noGrp="1"/>
+          </p:cNvGraphicFramePr>
+          <p:nvPr>
+            <p:extLst>
+              <p:ext uri="{D42A27DB-BD31-4B8C-83A1-F6EECF244321}">
+                <p14:modId xmlns:p14="http://schemas.microsoft.com/office/powerpoint/2010/main" val="1537142517"/>
+              </p:ext>
+            </p:extLst>
+          </p:nvPr>
+        </p:nvGraphicFramePr>
+        <p:xfrm>
+          <a:off x="983203" y="2468794"/>
+          <a:ext cx="10135464" cy="2153513"/>
+        </p:xfrm>
+        <a:graphic>
+          <a:graphicData uri="http://schemas.openxmlformats.org/drawingml/2006/table">
+            <a:tbl>
+              <a:tblPr firstRow="1" bandRow="1">
+                <a:tableStyleId>{5940675A-B579-460E-94D1-54222C63F5DA}</a:tableStyleId>
+              </a:tblPr>
+              <a:tblGrid>
+                <a:gridCol w="10135464">
+                  <a:extLst>
+                    <a:ext uri="{9D8B030D-6E8A-4147-A177-3AD203B41FA5}">
+                      <a16:colId xmlns:a16="http://schemas.microsoft.com/office/drawing/2014/main" val="347220614"/>
+                    </a:ext>
+                  </a:extLst>
+                </a:gridCol>
+              </a:tblGrid>
+              <a:tr h="417278">
+                <a:tc>
+                  <a:txBody>
+                    <a:bodyPr/>
+                    <a:lstStyle/>
+                    <a:p>
+                      <a:r>
+                        <a:rPr lang="en-US" sz="2800" b="1" dirty="0"/>
+                        <a:t>A</a:t>
+                      </a:r>
+                      <a:r>
+                        <a:rPr lang="en-US" sz="2800" dirty="0"/>
+                        <a:t>. It increase proportionally</a:t>
+                      </a:r>
+                      <a:endParaRPr lang="en-PH" sz="2800" dirty="0"/>
+                    </a:p>
+                  </a:txBody>
+                  <a:tcPr/>
+                </a:tc>
+                <a:extLst>
+                  <a:ext uri="{0D108BD9-81ED-4DB2-BD59-A6C34878D82A}">
+                    <a16:rowId xmlns:a16="http://schemas.microsoft.com/office/drawing/2014/main" val="3090890639"/>
+                  </a:ext>
+                </a:extLst>
+              </a:tr>
+              <a:tr h="599033">
+                <a:tc>
+                  <a:txBody>
+                    <a:bodyPr/>
+                    <a:lstStyle/>
+                    <a:p>
+                      <a:r>
+                        <a:rPr lang="en-US" sz="2800" b="1" dirty="0"/>
+                        <a:t>B</a:t>
+                      </a:r>
+                      <a:r>
+                        <a:rPr lang="en-US" sz="2800" dirty="0"/>
+                        <a:t>. It remains constant</a:t>
+                      </a:r>
+                    </a:p>
+                  </a:txBody>
+                  <a:tcPr>
+                    <a:solidFill>
+                      <a:srgbClr val="FFFF00"/>
+                    </a:solidFill>
+                  </a:tcPr>
+                </a:tc>
+                <a:extLst>
+                  <a:ext uri="{0D108BD9-81ED-4DB2-BD59-A6C34878D82A}">
+                    <a16:rowId xmlns:a16="http://schemas.microsoft.com/office/drawing/2014/main" val="2340900590"/>
+                  </a:ext>
+                </a:extLst>
+              </a:tr>
+              <a:tr h="508725">
+                <a:tc>
+                  <a:txBody>
+                    <a:bodyPr/>
+                    <a:lstStyle/>
+                    <a:p>
+                      <a:r>
+                        <a:rPr lang="en-US" sz="2800" b="1" dirty="0"/>
+                        <a:t>C</a:t>
+                      </a:r>
+                      <a:r>
+                        <a:rPr lang="en-US" sz="2800" dirty="0"/>
+                        <a:t>. It decreases proportionally</a:t>
+                      </a:r>
+                      <a:endParaRPr lang="en-PH" sz="2800" dirty="0"/>
+                    </a:p>
+                  </a:txBody>
+                  <a:tcPr>
+                    <a:solidFill>
+                      <a:schemeClr val="bg1"/>
+                    </a:solidFill>
+                  </a:tcPr>
+                </a:tc>
+                <a:extLst>
+                  <a:ext uri="{0D108BD9-81ED-4DB2-BD59-A6C34878D82A}">
+                    <a16:rowId xmlns:a16="http://schemas.microsoft.com/office/drawing/2014/main" val="3017780003"/>
+                  </a:ext>
+                </a:extLst>
+              </a:tr>
+              <a:tr h="508725">
+                <a:tc>
+                  <a:txBody>
+                    <a:bodyPr/>
+                    <a:lstStyle/>
+                    <a:p>
+                      <a:pPr marL="0" marR="0" lvl="0" indent="0" algn="l" defTabSz="914400" rtl="0" eaLnBrk="1" fontAlgn="auto" latinLnBrk="0" hangingPunct="1">
+                        <a:lnSpc>
+                          <a:spcPct val="100000"/>
+                        </a:lnSpc>
+                        <a:spcBef>
+                          <a:spcPts val="0"/>
+                        </a:spcBef>
+                        <a:spcAft>
+                          <a:spcPts val="0"/>
+                        </a:spcAft>
+                        <a:buClrTx/>
+                        <a:buSzTx/>
+                        <a:buFontTx/>
+                        <a:buNone/>
+                        <a:tabLst/>
+                        <a:defRPr/>
+                      </a:pPr>
+                      <a:r>
+                        <a:rPr lang="en-US" sz="2800" b="1" kern="1200" dirty="0">
+                          <a:solidFill>
+                            <a:schemeClr val="tx1"/>
+                          </a:solidFill>
+                          <a:latin typeface="+mn-lt"/>
+                          <a:ea typeface="+mn-ea"/>
+                          <a:cs typeface="+mn-cs"/>
+                        </a:rPr>
+                        <a:t>D</a:t>
+                      </a:r>
+                      <a:r>
+                        <a:rPr lang="en-US" sz="2800" kern="1200" dirty="0">
+                          <a:solidFill>
+                            <a:schemeClr val="tx1"/>
+                          </a:solidFill>
+                          <a:latin typeface="+mn-lt"/>
+                          <a:ea typeface="+mn-ea"/>
+                          <a:cs typeface="+mn-cs"/>
+                        </a:rPr>
+                        <a:t>. It become unpredictable</a:t>
+                      </a:r>
+                      <a:endParaRPr lang="en-PH" sz="2800" kern="1200" dirty="0">
+                        <a:solidFill>
+                          <a:schemeClr val="tx1"/>
+                        </a:solidFill>
+                        <a:latin typeface="+mn-lt"/>
+                        <a:ea typeface="+mn-ea"/>
+                        <a:cs typeface="+mn-cs"/>
+                      </a:endParaRPr>
+                    </a:p>
+                  </a:txBody>
+                  <a:tcPr/>
+                </a:tc>
+                <a:extLst>
+                  <a:ext uri="{0D108BD9-81ED-4DB2-BD59-A6C34878D82A}">
+                    <a16:rowId xmlns:a16="http://schemas.microsoft.com/office/drawing/2014/main" val="716630035"/>
+                  </a:ext>
+                </a:extLst>
+              </a:tr>
+            </a:tbl>
+          </a:graphicData>
+        </a:graphic>
+      </p:graphicFrame>
+    </p:spTree>
+    <p:extLst>
+      <p:ext uri="{BB962C8B-B14F-4D97-AF65-F5344CB8AC3E}">
+        <p14:creationId xmlns:p14="http://schemas.microsoft.com/office/powerpoint/2010/main" val="3575043663"/>
+      </p:ext>
+    </p:extLst>
+  </p:cSld>
+  <p:clrMapOvr>
+    <a:masterClrMapping/>
+  </p:clrMapOvr>
+</p:sld>
+</file>
+
+<file path=ppt/slides/slide26.xml><?xml version="1.0" encoding="utf-8"?>
+<p:sld xmlns:a="http://schemas.openxmlformats.org/drawingml/2006/main" xmlns:r="http://schemas.openxmlformats.org/officeDocument/2006/relationships" xmlns:p="http://schemas.openxmlformats.org/presentationml/2006/main">
+  <p:cSld>
+    <p:spTree>
+      <p:nvGrpSpPr>
+        <p:cNvPr id="1" name="">
+          <a:extLst>
+            <a:ext uri="{FF2B5EF4-FFF2-40B4-BE49-F238E27FC236}">
+              <a16:creationId xmlns:a16="http://schemas.microsoft.com/office/drawing/2014/main" id="{3E8AE353-FA83-EBE2-B57C-11064AE5CE55}"/>
+            </a:ext>
+          </a:extLst>
+        </p:cNvPr>
+        <p:cNvGrpSpPr/>
+        <p:nvPr/>
+      </p:nvGrpSpPr>
+      <p:grpSpPr>
+        <a:xfrm>
+          <a:off x="0" y="0"/>
+          <a:ext cx="0" cy="0"/>
+          <a:chOff x="0" y="0"/>
+          <a:chExt cx="0" cy="0"/>
+        </a:xfrm>
+      </p:grpSpPr>
+      <p:sp>
+        <p:nvSpPr>
+          <p:cNvPr id="2" name="TextBox 1">
+            <a:extLst>
+              <a:ext uri="{FF2B5EF4-FFF2-40B4-BE49-F238E27FC236}">
+                <a16:creationId xmlns:a16="http://schemas.microsoft.com/office/drawing/2014/main" id="{0BE712E4-32CC-0565-7E6F-508587DDDB77}"/>
+              </a:ext>
+            </a:extLst>
+          </p:cNvPr>
+          <p:cNvSpPr txBox="1"/>
+          <p:nvPr/>
+        </p:nvSpPr>
+        <p:spPr>
+          <a:xfrm>
+            <a:off x="909655" y="885546"/>
+            <a:ext cx="10282560" cy="1077218"/>
+          </a:xfrm>
+          <a:prstGeom prst="rect">
+            <a:avLst/>
+          </a:prstGeom>
+          <a:noFill/>
+        </p:spPr>
+        <p:txBody>
+          <a:bodyPr wrap="square" rtlCol="0">
+            <a:spAutoFit/>
+          </a:bodyPr>
+          <a:lstStyle/>
+          <a:p>
+            <a:r>
+              <a:rPr lang="en-US" sz="3200" b="1" dirty="0"/>
+              <a:t>05. When would you choose a multiplicative model over an additive one?</a:t>
+            </a:r>
+            <a:endParaRPr lang="en-PH" sz="3200" dirty="0"/>
+          </a:p>
+        </p:txBody>
+      </p:sp>
+      <p:graphicFrame>
+        <p:nvGraphicFramePr>
+          <p:cNvPr id="4" name="Table 3">
+            <a:extLst>
+              <a:ext uri="{FF2B5EF4-FFF2-40B4-BE49-F238E27FC236}">
+                <a16:creationId xmlns:a16="http://schemas.microsoft.com/office/drawing/2014/main" id="{F9B44F0E-D994-7BF0-E025-67592D875B66}"/>
+              </a:ext>
+            </a:extLst>
+          </p:cNvPr>
+          <p:cNvGraphicFramePr>
+            <a:graphicFrameLocks noGrp="1"/>
+          </p:cNvGraphicFramePr>
+          <p:nvPr>
+            <p:extLst>
+              <p:ext uri="{D42A27DB-BD31-4B8C-83A1-F6EECF244321}">
+                <p14:modId xmlns:p14="http://schemas.microsoft.com/office/powerpoint/2010/main" val="1024536912"/>
+              </p:ext>
+            </p:extLst>
+          </p:nvPr>
+        </p:nvGraphicFramePr>
+        <p:xfrm>
+          <a:off x="983203" y="2468794"/>
+          <a:ext cx="10135464" cy="2153513"/>
+        </p:xfrm>
+        <a:graphic>
+          <a:graphicData uri="http://schemas.openxmlformats.org/drawingml/2006/table">
+            <a:tbl>
+              <a:tblPr firstRow="1" bandRow="1">
+                <a:tableStyleId>{5940675A-B579-460E-94D1-54222C63F5DA}</a:tableStyleId>
+              </a:tblPr>
+              <a:tblGrid>
+                <a:gridCol w="10135464">
+                  <a:extLst>
+                    <a:ext uri="{9D8B030D-6E8A-4147-A177-3AD203B41FA5}">
+                      <a16:colId xmlns:a16="http://schemas.microsoft.com/office/drawing/2014/main" val="347220614"/>
+                    </a:ext>
+                  </a:extLst>
+                </a:gridCol>
+              </a:tblGrid>
+              <a:tr h="417278">
+                <a:tc>
+                  <a:txBody>
+                    <a:bodyPr/>
+                    <a:lstStyle/>
+                    <a:p>
+                      <a:r>
+                        <a:rPr lang="en-US" sz="2800" b="1" dirty="0"/>
+                        <a:t>A</a:t>
+                      </a:r>
+                      <a:r>
+                        <a:rPr lang="en-US" sz="2800" dirty="0"/>
+                        <a:t>. Seasonal fluctuations remain constant regardless of trend</a:t>
+                      </a:r>
+                      <a:endParaRPr lang="en-PH" sz="2800" dirty="0"/>
+                    </a:p>
+                  </a:txBody>
+                  <a:tcPr/>
+                </a:tc>
+                <a:extLst>
+                  <a:ext uri="{0D108BD9-81ED-4DB2-BD59-A6C34878D82A}">
+                    <a16:rowId xmlns:a16="http://schemas.microsoft.com/office/drawing/2014/main" val="3090890639"/>
+                  </a:ext>
+                </a:extLst>
+              </a:tr>
+              <a:tr h="599033">
+                <a:tc>
+                  <a:txBody>
+                    <a:bodyPr/>
+                    <a:lstStyle/>
+                    <a:p>
+                      <a:r>
+                        <a:rPr lang="en-US" sz="2800" b="1" dirty="0"/>
+                        <a:t>B</a:t>
+                      </a:r>
+                      <a:r>
+                        <a:rPr lang="en-US" sz="2800" dirty="0"/>
+                        <a:t>. Seasonal fluctuations grow proportionally as trend increases</a:t>
+                      </a:r>
+                    </a:p>
+                  </a:txBody>
+                  <a:tcPr/>
+                </a:tc>
+                <a:extLst>
+                  <a:ext uri="{0D108BD9-81ED-4DB2-BD59-A6C34878D82A}">
+                    <a16:rowId xmlns:a16="http://schemas.microsoft.com/office/drawing/2014/main" val="2340900590"/>
+                  </a:ext>
+                </a:extLst>
+              </a:tr>
+              <a:tr h="508725">
+                <a:tc>
+                  <a:txBody>
+                    <a:bodyPr/>
+                    <a:lstStyle/>
+                    <a:p>
+                      <a:r>
+                        <a:rPr lang="en-US" sz="2800" b="1" dirty="0"/>
+                        <a:t>C</a:t>
+                      </a:r>
+                      <a:r>
+                        <a:rPr lang="en-US" sz="2800" dirty="0"/>
+                        <a:t>. The series contains cyclical patterns</a:t>
+                      </a:r>
+                      <a:endParaRPr lang="en-PH" sz="2800" dirty="0"/>
+                    </a:p>
+                  </a:txBody>
+                  <a:tcPr>
+                    <a:solidFill>
+                      <a:schemeClr val="bg1"/>
+                    </a:solidFill>
+                  </a:tcPr>
+                </a:tc>
+                <a:extLst>
+                  <a:ext uri="{0D108BD9-81ED-4DB2-BD59-A6C34878D82A}">
+                    <a16:rowId xmlns:a16="http://schemas.microsoft.com/office/drawing/2014/main" val="3017780003"/>
+                  </a:ext>
+                </a:extLst>
+              </a:tr>
+              <a:tr h="508725">
+                <a:tc>
+                  <a:txBody>
+                    <a:bodyPr/>
+                    <a:lstStyle/>
+                    <a:p>
+                      <a:pPr marL="0" marR="0" lvl="0" indent="0" algn="l" defTabSz="914400" rtl="0" eaLnBrk="1" fontAlgn="auto" latinLnBrk="0" hangingPunct="1">
+                        <a:lnSpc>
+                          <a:spcPct val="100000"/>
+                        </a:lnSpc>
+                        <a:spcBef>
+                          <a:spcPts val="0"/>
+                        </a:spcBef>
+                        <a:spcAft>
+                          <a:spcPts val="0"/>
+                        </a:spcAft>
+                        <a:buClrTx/>
+                        <a:buSzTx/>
+                        <a:buFontTx/>
+                        <a:buNone/>
+                        <a:tabLst/>
+                        <a:defRPr/>
+                      </a:pPr>
+                      <a:r>
+                        <a:rPr lang="en-US" sz="2800" b="1" kern="1200" dirty="0">
+                          <a:solidFill>
+                            <a:schemeClr val="tx1"/>
+                          </a:solidFill>
+                          <a:latin typeface="+mn-lt"/>
+                          <a:ea typeface="+mn-ea"/>
+                          <a:cs typeface="+mn-cs"/>
+                        </a:rPr>
+                        <a:t>D</a:t>
+                      </a:r>
+                      <a:r>
+                        <a:rPr lang="en-US" sz="2800" kern="1200" dirty="0">
+                          <a:solidFill>
+                            <a:schemeClr val="tx1"/>
+                          </a:solidFill>
+                          <a:latin typeface="+mn-lt"/>
+                          <a:ea typeface="+mn-ea"/>
+                          <a:cs typeface="+mn-cs"/>
+                        </a:rPr>
+                        <a:t>. The trend is perfectly linear</a:t>
+                      </a:r>
+                      <a:endParaRPr lang="en-PH" sz="2800" kern="1200" dirty="0">
+                        <a:solidFill>
+                          <a:schemeClr val="tx1"/>
+                        </a:solidFill>
+                        <a:latin typeface="+mn-lt"/>
+                        <a:ea typeface="+mn-ea"/>
+                        <a:cs typeface="+mn-cs"/>
+                      </a:endParaRPr>
+                    </a:p>
+                  </a:txBody>
+                  <a:tcPr/>
+                </a:tc>
+                <a:extLst>
+                  <a:ext uri="{0D108BD9-81ED-4DB2-BD59-A6C34878D82A}">
+                    <a16:rowId xmlns:a16="http://schemas.microsoft.com/office/drawing/2014/main" val="716630035"/>
+                  </a:ext>
+                </a:extLst>
+              </a:tr>
+            </a:tbl>
+          </a:graphicData>
+        </a:graphic>
+      </p:graphicFrame>
+    </p:spTree>
+    <p:extLst>
+      <p:ext uri="{BB962C8B-B14F-4D97-AF65-F5344CB8AC3E}">
+        <p14:creationId xmlns:p14="http://schemas.microsoft.com/office/powerpoint/2010/main" val="3273049472"/>
+      </p:ext>
+    </p:extLst>
+  </p:cSld>
+  <p:clrMapOvr>
+    <a:masterClrMapping/>
+  </p:clrMapOvr>
+</p:sld>
+</file>
+
+<file path=ppt/slides/slide27.xml><?xml version="1.0" encoding="utf-8"?>
+<p:sld xmlns:a="http://schemas.openxmlformats.org/drawingml/2006/main" xmlns:r="http://schemas.openxmlformats.org/officeDocument/2006/relationships" xmlns:p="http://schemas.openxmlformats.org/presentationml/2006/main">
+  <p:cSld>
+    <p:spTree>
+      <p:nvGrpSpPr>
+        <p:cNvPr id="1" name="">
+          <a:extLst>
+            <a:ext uri="{FF2B5EF4-FFF2-40B4-BE49-F238E27FC236}">
+              <a16:creationId xmlns:a16="http://schemas.microsoft.com/office/drawing/2014/main" id="{F9B698CD-D17A-D78B-8D90-3E1889A35D6C}"/>
+            </a:ext>
+          </a:extLst>
+        </p:cNvPr>
+        <p:cNvGrpSpPr/>
+        <p:nvPr/>
+      </p:nvGrpSpPr>
+      <p:grpSpPr>
+        <a:xfrm>
+          <a:off x="0" y="0"/>
+          <a:ext cx="0" cy="0"/>
+          <a:chOff x="0" y="0"/>
+          <a:chExt cx="0" cy="0"/>
+        </a:xfrm>
+      </p:grpSpPr>
+      <p:sp>
+        <p:nvSpPr>
+          <p:cNvPr id="2" name="TextBox 1">
+            <a:extLst>
+              <a:ext uri="{FF2B5EF4-FFF2-40B4-BE49-F238E27FC236}">
+                <a16:creationId xmlns:a16="http://schemas.microsoft.com/office/drawing/2014/main" id="{36BFEBCC-56BC-BCBC-B095-1CBB3A6D517A}"/>
+              </a:ext>
+            </a:extLst>
+          </p:cNvPr>
+          <p:cNvSpPr txBox="1"/>
+          <p:nvPr/>
+        </p:nvSpPr>
+        <p:spPr>
+          <a:xfrm>
+            <a:off x="909655" y="885546"/>
+            <a:ext cx="10282560" cy="1077218"/>
+          </a:xfrm>
+          <a:prstGeom prst="rect">
+            <a:avLst/>
+          </a:prstGeom>
+          <a:noFill/>
+        </p:spPr>
+        <p:txBody>
+          <a:bodyPr wrap="square" rtlCol="0">
+            <a:spAutoFit/>
+          </a:bodyPr>
+          <a:lstStyle/>
+          <a:p>
+            <a:r>
+              <a:rPr lang="en-US" sz="3200" b="1" dirty="0"/>
+              <a:t>05. When would you choose a multiplicative model over an additive one?</a:t>
+            </a:r>
+            <a:endParaRPr lang="en-PH" sz="3200" dirty="0"/>
+          </a:p>
+        </p:txBody>
+      </p:sp>
+      <p:graphicFrame>
+        <p:nvGraphicFramePr>
+          <p:cNvPr id="4" name="Table 3">
+            <a:extLst>
+              <a:ext uri="{FF2B5EF4-FFF2-40B4-BE49-F238E27FC236}">
+                <a16:creationId xmlns:a16="http://schemas.microsoft.com/office/drawing/2014/main" id="{3BF1D955-B1AE-F579-B756-65E2A3A9E502}"/>
+              </a:ext>
+            </a:extLst>
+          </p:cNvPr>
+          <p:cNvGraphicFramePr>
+            <a:graphicFrameLocks noGrp="1"/>
+          </p:cNvGraphicFramePr>
+          <p:nvPr>
+            <p:extLst>
+              <p:ext uri="{D42A27DB-BD31-4B8C-83A1-F6EECF244321}">
+                <p14:modId xmlns:p14="http://schemas.microsoft.com/office/powerpoint/2010/main" val="2872117325"/>
+              </p:ext>
+            </p:extLst>
+          </p:nvPr>
+        </p:nvGraphicFramePr>
+        <p:xfrm>
+          <a:off x="983203" y="2468794"/>
+          <a:ext cx="10135464" cy="2153513"/>
+        </p:xfrm>
+        <a:graphic>
+          <a:graphicData uri="http://schemas.openxmlformats.org/drawingml/2006/table">
+            <a:tbl>
+              <a:tblPr firstRow="1" bandRow="1">
+                <a:tableStyleId>{5940675A-B579-460E-94D1-54222C63F5DA}</a:tableStyleId>
+              </a:tblPr>
+              <a:tblGrid>
+                <a:gridCol w="10135464">
+                  <a:extLst>
+                    <a:ext uri="{9D8B030D-6E8A-4147-A177-3AD203B41FA5}">
+                      <a16:colId xmlns:a16="http://schemas.microsoft.com/office/drawing/2014/main" val="347220614"/>
+                    </a:ext>
+                  </a:extLst>
+                </a:gridCol>
+              </a:tblGrid>
+              <a:tr h="417278">
+                <a:tc>
+                  <a:txBody>
+                    <a:bodyPr/>
+                    <a:lstStyle/>
+                    <a:p>
+                      <a:r>
+                        <a:rPr lang="en-US" sz="2800" b="1" dirty="0"/>
+                        <a:t>A</a:t>
+                      </a:r>
+                      <a:r>
+                        <a:rPr lang="en-US" sz="2800" dirty="0"/>
+                        <a:t>. Seasonal fluctuations remain constant regardless of trend</a:t>
+                      </a:r>
+                      <a:endParaRPr lang="en-PH" sz="2800" dirty="0"/>
+                    </a:p>
+                  </a:txBody>
+                  <a:tcPr/>
+                </a:tc>
+                <a:extLst>
+                  <a:ext uri="{0D108BD9-81ED-4DB2-BD59-A6C34878D82A}">
+                    <a16:rowId xmlns:a16="http://schemas.microsoft.com/office/drawing/2014/main" val="3090890639"/>
+                  </a:ext>
+                </a:extLst>
+              </a:tr>
+              <a:tr h="599033">
+                <a:tc>
+                  <a:txBody>
+                    <a:bodyPr/>
+                    <a:lstStyle/>
+                    <a:p>
+                      <a:r>
+                        <a:rPr lang="en-US" sz="2800" b="1" dirty="0"/>
+                        <a:t>B</a:t>
+                      </a:r>
+                      <a:r>
+                        <a:rPr lang="en-US" sz="2800" dirty="0"/>
+                        <a:t>. Seasonal fluctuations grow proportionally as trend increases</a:t>
+                      </a:r>
+                    </a:p>
+                  </a:txBody>
+                  <a:tcPr>
+                    <a:solidFill>
+                      <a:srgbClr val="FFFF00"/>
+                    </a:solidFill>
+                  </a:tcPr>
+                </a:tc>
+                <a:extLst>
+                  <a:ext uri="{0D108BD9-81ED-4DB2-BD59-A6C34878D82A}">
+                    <a16:rowId xmlns:a16="http://schemas.microsoft.com/office/drawing/2014/main" val="2340900590"/>
+                  </a:ext>
+                </a:extLst>
+              </a:tr>
+              <a:tr h="508725">
+                <a:tc>
+                  <a:txBody>
+                    <a:bodyPr/>
+                    <a:lstStyle/>
+                    <a:p>
+                      <a:r>
+                        <a:rPr lang="en-US" sz="2800" b="1" dirty="0"/>
+                        <a:t>C</a:t>
+                      </a:r>
+                      <a:r>
+                        <a:rPr lang="en-US" sz="2800" dirty="0"/>
+                        <a:t>. The series contains cyclical patterns</a:t>
+                      </a:r>
+                      <a:endParaRPr lang="en-PH" sz="2800" dirty="0"/>
+                    </a:p>
+                  </a:txBody>
+                  <a:tcPr>
+                    <a:solidFill>
+                      <a:schemeClr val="bg1"/>
+                    </a:solidFill>
+                  </a:tcPr>
+                </a:tc>
+                <a:extLst>
+                  <a:ext uri="{0D108BD9-81ED-4DB2-BD59-A6C34878D82A}">
+                    <a16:rowId xmlns:a16="http://schemas.microsoft.com/office/drawing/2014/main" val="3017780003"/>
+                  </a:ext>
+                </a:extLst>
+              </a:tr>
+              <a:tr h="508725">
+                <a:tc>
+                  <a:txBody>
+                    <a:bodyPr/>
+                    <a:lstStyle/>
+                    <a:p>
+                      <a:pPr marL="0" marR="0" lvl="0" indent="0" algn="l" defTabSz="914400" rtl="0" eaLnBrk="1" fontAlgn="auto" latinLnBrk="0" hangingPunct="1">
+                        <a:lnSpc>
+                          <a:spcPct val="100000"/>
+                        </a:lnSpc>
+                        <a:spcBef>
+                          <a:spcPts val="0"/>
+                        </a:spcBef>
+                        <a:spcAft>
+                          <a:spcPts val="0"/>
+                        </a:spcAft>
+                        <a:buClrTx/>
+                        <a:buSzTx/>
+                        <a:buFontTx/>
+                        <a:buNone/>
+                        <a:tabLst/>
+                        <a:defRPr/>
+                      </a:pPr>
+                      <a:r>
+                        <a:rPr lang="en-US" sz="2800" b="1" kern="1200" dirty="0">
+                          <a:solidFill>
+                            <a:schemeClr val="tx1"/>
+                          </a:solidFill>
+                          <a:latin typeface="+mn-lt"/>
+                          <a:ea typeface="+mn-ea"/>
+                          <a:cs typeface="+mn-cs"/>
+                        </a:rPr>
+                        <a:t>D</a:t>
+                      </a:r>
+                      <a:r>
+                        <a:rPr lang="en-US" sz="2800" kern="1200" dirty="0">
+                          <a:solidFill>
+                            <a:schemeClr val="tx1"/>
+                          </a:solidFill>
+                          <a:latin typeface="+mn-lt"/>
+                          <a:ea typeface="+mn-ea"/>
+                          <a:cs typeface="+mn-cs"/>
+                        </a:rPr>
+                        <a:t>. The trend is perfectly linear</a:t>
+                      </a:r>
+                      <a:endParaRPr lang="en-PH" sz="2800" kern="1200" dirty="0">
+                        <a:solidFill>
+                          <a:schemeClr val="tx1"/>
+                        </a:solidFill>
+                        <a:latin typeface="+mn-lt"/>
+                        <a:ea typeface="+mn-ea"/>
+                        <a:cs typeface="+mn-cs"/>
+                      </a:endParaRPr>
+                    </a:p>
+                  </a:txBody>
+                  <a:tcPr/>
+                </a:tc>
+                <a:extLst>
+                  <a:ext uri="{0D108BD9-81ED-4DB2-BD59-A6C34878D82A}">
+                    <a16:rowId xmlns:a16="http://schemas.microsoft.com/office/drawing/2014/main" val="716630035"/>
+                  </a:ext>
+                </a:extLst>
+              </a:tr>
+            </a:tbl>
+          </a:graphicData>
+        </a:graphic>
+      </p:graphicFrame>
+    </p:spTree>
+    <p:extLst>
+      <p:ext uri="{BB962C8B-B14F-4D97-AF65-F5344CB8AC3E}">
+        <p14:creationId xmlns:p14="http://schemas.microsoft.com/office/powerpoint/2010/main" val="3764080770"/>
+      </p:ext>
+    </p:extLst>
+  </p:cSld>
+  <p:clrMapOvr>
+    <a:masterClrMapping/>
+  </p:clrMapOvr>
+</p:sld>
+</file>
+
+<file path=ppt/slides/slide28.xml><?xml version="1.0" encoding="utf-8"?>
+<p:sld xmlns:a="http://schemas.openxmlformats.org/drawingml/2006/main" xmlns:r="http://schemas.openxmlformats.org/officeDocument/2006/relationships" xmlns:p="http://schemas.openxmlformats.org/presentationml/2006/main">
+  <p:cSld>
+    <p:spTree>
+      <p:nvGrpSpPr>
+        <p:cNvPr id="1" name=""/>
+        <p:cNvGrpSpPr/>
+        <p:nvPr/>
+      </p:nvGrpSpPr>
+      <p:grpSpPr>
+        <a:xfrm>
+          <a:off x="0" y="0"/>
+          <a:ext cx="0" cy="0"/>
+          <a:chOff x="0" y="0"/>
+          <a:chExt cx="0" cy="0"/>
+        </a:xfrm>
+      </p:grpSpPr>
+      <p:sp>
+        <p:nvSpPr>
+          <p:cNvPr id="6" name="TextBox 5"/>
+          <p:cNvSpPr txBox="1"/>
+          <p:nvPr/>
+        </p:nvSpPr>
+        <p:spPr>
+          <a:xfrm>
+            <a:off x="721364" y="2562078"/>
+            <a:ext cx="10749281" cy="830997"/>
+          </a:xfrm>
+          <a:prstGeom prst="rect">
+            <a:avLst/>
+          </a:prstGeom>
+          <a:noFill/>
+        </p:spPr>
+        <p:txBody>
+          <a:bodyPr wrap="square" rtlCol="0">
+            <a:spAutoFit/>
+          </a:bodyPr>
+          <a:lstStyle/>
+          <a:p>
+            <a:pPr algn="ctr"/>
+            <a:r>
+              <a:rPr lang="en-US" sz="4800" b="1" dirty="0">
+                <a:latin typeface="Arial" pitchFamily="34" charset="0"/>
+                <a:cs typeface="Arial" pitchFamily="34" charset="0"/>
+              </a:rPr>
+              <a:t>Thank you very much for listening</a:t>
+            </a:r>
+            <a:r>
+              <a:rPr lang="en-US" sz="3200" b="1" dirty="0">
+                <a:latin typeface="Arial" pitchFamily="34" charset="0"/>
+                <a:cs typeface="Arial" pitchFamily="34" charset="0"/>
+              </a:rPr>
+              <a:t>.</a:t>
+            </a:r>
+            <a:endParaRPr lang="en-US" sz="3200" b="1" dirty="0">
+              <a:solidFill>
+                <a:schemeClr val="accent2"/>
+              </a:solidFill>
+              <a:latin typeface="Arial" pitchFamily="34" charset="0"/>
+              <a:cs typeface="Arial" pitchFamily="34" charset="0"/>
+            </a:endParaRPr>
+          </a:p>
+        </p:txBody>
+      </p:sp>
+    </p:spTree>
+    <p:extLst>
+      <p:ext uri="{BB962C8B-B14F-4D97-AF65-F5344CB8AC3E}">
+        <p14:creationId xmlns:p14="http://schemas.microsoft.com/office/powerpoint/2010/main" val="1328378833"/>
       </p:ext>
     </p:extLst>
   </p:cSld>
